--- a/PesteringSysadmins.pptx
+++ b/PesteringSysadmins.pptx
@@ -24,16 +24,20 @@
     <p:sldId id="282" r:id="rId18"/>
     <p:sldId id="284" r:id="rId19"/>
     <p:sldId id="285" r:id="rId20"/>
-    <p:sldId id="286" r:id="rId21"/>
-    <p:sldId id="283" r:id="rId22"/>
-    <p:sldId id="278" r:id="rId23"/>
-    <p:sldId id="279" r:id="rId24"/>
-    <p:sldId id="275" r:id="rId25"/>
-    <p:sldId id="276" r:id="rId26"/>
-    <p:sldId id="263" r:id="rId27"/>
-    <p:sldId id="267" r:id="rId28"/>
-    <p:sldId id="268" r:id="rId29"/>
-    <p:sldId id="269" r:id="rId30"/>
+    <p:sldId id="283" r:id="rId21"/>
+    <p:sldId id="287" r:id="rId22"/>
+    <p:sldId id="288" r:id="rId23"/>
+    <p:sldId id="289" r:id="rId24"/>
+    <p:sldId id="290" r:id="rId25"/>
+    <p:sldId id="291" r:id="rId26"/>
+    <p:sldId id="278" r:id="rId27"/>
+    <p:sldId id="279" r:id="rId28"/>
+    <p:sldId id="275" r:id="rId29"/>
+    <p:sldId id="276" r:id="rId30"/>
+    <p:sldId id="263" r:id="rId31"/>
+    <p:sldId id="267" r:id="rId32"/>
+    <p:sldId id="268" r:id="rId33"/>
+    <p:sldId id="269" r:id="rId34"/>
   </p:sldIdLst>
   <p:sldSz cx="12192000" cy="6858000"/>
   <p:notesSz cx="6858000" cy="9144000"/>
@@ -134,7 +138,7 @@
   </p:defaultTextStyle>
   <p:extLst>
     <p:ext uri="{EFAFB233-063F-42B5-8137-9DF3F51BA10A}">
-      <p15:sldGuideLst xmlns:p15="http://schemas.microsoft.com/office/powerpoint/2012/main" xmlns="">
+      <p15:sldGuideLst xmlns="" xmlns:p15="http://schemas.microsoft.com/office/powerpoint/2012/main">
         <p15:guide id="1" orient="horz" pos="2160">
           <p15:clr>
             <a:srgbClr val="A4A3A4"/>
@@ -498,7 +502,7 @@
   </p:clrMapOvr>
   <p:extLst>
     <p:ext uri="{DCECCB84-F9BA-43D5-87BE-67443E8EF086}">
-      <p15:sldGuideLst xmlns:p15="http://schemas.microsoft.com/office/powerpoint/2012/main" xmlns=""/>
+      <p15:sldGuideLst xmlns="" xmlns:p15="http://schemas.microsoft.com/office/powerpoint/2012/main"/>
     </p:ext>
   </p:extLst>
 </p:sldLayout>
@@ -4412,9 +4416,16 @@
   <p:clrMapOvr>
     <a:masterClrMapping/>
   </p:clrMapOvr>
+  <p:timing>
+    <p:tnLst>
+      <p:par>
+        <p:cTn id="1" dur="indefinite" restart="never" nodeType="tmRoot"/>
+      </p:par>
+    </p:tnLst>
+  </p:timing>
   <p:extLst mod="1">
     <p:ext uri="{DCECCB84-F9BA-43D5-87BE-67443E8EF086}">
-      <p15:sldGuideLst xmlns:p15="http://schemas.microsoft.com/office/powerpoint/2012/main" xmlns=""/>
+      <p15:sldGuideLst xmlns="" xmlns:p15="http://schemas.microsoft.com/office/powerpoint/2012/main"/>
     </p:ext>
   </p:extLst>
 </p:sldLayout>
@@ -4697,7 +4708,7 @@
         </p:nvSpPr>
         <p:spPr>
           <a:xfrm>
-            <a:off x="4855633" y="446088"/>
+            <a:off x="4855633" y="446087"/>
             <a:ext cx="6252633" cy="5414963"/>
           </a:xfrm>
         </p:spPr>
@@ -4819,7 +4830,12 @@
             <p:ph type="dt" sz="half" idx="10"/>
           </p:nvPr>
         </p:nvSpPr>
-        <p:spPr/>
+        <p:spPr>
+          <a:xfrm>
+            <a:off x="8707902" y="6041362"/>
+            <a:ext cx="1343706" cy="365125"/>
+          </a:xfrm>
+        </p:spPr>
         <p:txBody>
           <a:bodyPr/>
           <a:lstStyle/>
@@ -4842,7 +4858,12 @@
             <p:ph type="ftr" sz="quarter" idx="11"/>
           </p:nvPr>
         </p:nvSpPr>
-        <p:spPr/>
+        <p:spPr>
+          <a:xfrm>
+            <a:off x="451514" y="6041362"/>
+            <a:ext cx="8168504" cy="365125"/>
+          </a:xfrm>
+        </p:spPr>
         <p:txBody>
           <a:bodyPr/>
           <a:lstStyle/>
@@ -4861,7 +4882,12 @@
             <p:ph type="sldNum" sz="quarter" idx="12"/>
           </p:nvPr>
         </p:nvSpPr>
-        <p:spPr/>
+        <p:spPr>
+          <a:xfrm>
+            <a:off x="10102978" y="5946711"/>
+            <a:ext cx="1062155" cy="490599"/>
+          </a:xfrm>
+        </p:spPr>
         <p:txBody>
           <a:bodyPr/>
           <a:lstStyle/>
@@ -4874,6 +4900,29 @@
           </a:p>
         </p:txBody>
       </p:sp>
+      <p:pic>
+        <p:nvPicPr>
+          <p:cNvPr id="10" name="Picture 9"/>
+          <p:cNvPicPr>
+            <a:picLocks noChangeAspect="1"/>
+          </p:cNvPicPr>
+          <p:nvPr userDrawn="1"/>
+        </p:nvPicPr>
+        <p:blipFill rotWithShape="1">
+          <a:blip r:embed="rId2"/>
+          <a:srcRect l="8939" t="9795" r="4764" b="21401"/>
+          <a:stretch/>
+        </p:blipFill>
+        <p:spPr>
+          <a:xfrm>
+            <a:off x="11485017" y="5732403"/>
+            <a:ext cx="616484" cy="983037"/>
+          </a:xfrm>
+          <a:prstGeom prst="rect">
+            <a:avLst/>
+          </a:prstGeom>
+        </p:spPr>
+      </p:pic>
     </p:spTree>
     <p:extLst>
       <p:ext uri="{BB962C8B-B14F-4D97-AF65-F5344CB8AC3E}">
@@ -4884,9 +4933,16 @@
   <p:clrMapOvr>
     <a:masterClrMapping/>
   </p:clrMapOvr>
-  <p:extLst>
+  <p:timing>
+    <p:tnLst>
+      <p:par>
+        <p:cTn id="1" dur="indefinite" restart="never" nodeType="tmRoot"/>
+      </p:par>
+    </p:tnLst>
+  </p:timing>
+  <p:extLst mod="1">
     <p:ext uri="{DCECCB84-F9BA-43D5-87BE-67443E8EF086}">
-      <p15:sldGuideLst xmlns:p15="http://schemas.microsoft.com/office/powerpoint/2012/main" xmlns=""/>
+      <p15:sldGuideLst xmlns="" xmlns:p15="http://schemas.microsoft.com/office/powerpoint/2012/main"/>
     </p:ext>
   </p:extLst>
 </p:sldLayout>
@@ -5848,7 +5904,7 @@
   </p:txStyles>
   <p:extLst mod="1">
     <p:ext uri="{27BBF7A9-308A-43DC-89C8-2F10F3537804}">
-      <p15:sldGuideLst xmlns:p15="http://schemas.microsoft.com/office/powerpoint/2012/main" xmlns=""/>
+      <p15:sldGuideLst xmlns="" xmlns:p15="http://schemas.microsoft.com/office/powerpoint/2012/main"/>
     </p:ext>
   </p:extLst>
 </p:sldMaster>
@@ -7193,6 +7249,13 @@
   <p:clrMapOvr>
     <a:masterClrMapping/>
   </p:clrMapOvr>
+  <p:timing>
+    <p:tnLst>
+      <p:par>
+        <p:cTn id="1" dur="indefinite" restart="never" nodeType="tmRoot"/>
+      </p:par>
+    </p:tnLst>
+  </p:timing>
 </p:sld>
 </file>
 
@@ -7460,92 +7523,6 @@
           <a:lstStyle/>
           <a:p>
             <a:r>
-              <a:rPr lang="en-US" dirty="0" err="1" smtClean="0"/>
-              <a:t>Gotchas</a:t>
-            </a:r>
-            <a:endParaRPr lang="en-US" dirty="0"/>
-          </a:p>
-        </p:txBody>
-      </p:sp>
-      <p:sp>
-        <p:nvSpPr>
-          <p:cNvPr id="3" name="Content Placeholder 2"/>
-          <p:cNvSpPr>
-            <a:spLocks noGrp="1"/>
-          </p:cNvSpPr>
-          <p:nvPr>
-            <p:ph idx="1"/>
-          </p:nvPr>
-        </p:nvSpPr>
-        <p:spPr/>
-        <p:txBody>
-          <a:bodyPr/>
-          <a:lstStyle/>
-          <a:p>
-            <a:r>
-              <a:rPr lang="en-US" dirty="0" smtClean="0"/>
-              <a:t>Throw - When Asserting Should Throw or Should Not Throw, the command must be in a </a:t>
-            </a:r>
-            <a:r>
-              <a:rPr lang="en-US" dirty="0" err="1" smtClean="0"/>
-              <a:t>scriptblock</a:t>
-            </a:r>
-            <a:r>
-              <a:rPr lang="en-US" smtClean="0"/>
-              <a:t>.</a:t>
-            </a:r>
-          </a:p>
-          <a:p>
-            <a:endParaRPr lang="en-US" dirty="0"/>
-          </a:p>
-        </p:txBody>
-      </p:sp>
-    </p:spTree>
-    <p:extLst>
-      <p:ext uri="{BB962C8B-B14F-4D97-AF65-F5344CB8AC3E}">
-        <p14:creationId xmlns:p14="http://schemas.microsoft.com/office/powerpoint/2010/main" val="3095448270"/>
-      </p:ext>
-    </p:extLst>
-  </p:cSld>
-  <p:clrMapOvr>
-    <a:masterClrMapping/>
-  </p:clrMapOvr>
-</p:sld>
-</file>
-
-<file path=ppt/slides/slide21.xml><?xml version="1.0" encoding="utf-8"?>
-<p:sld xmlns:a="http://schemas.openxmlformats.org/drawingml/2006/main" xmlns:r="http://schemas.openxmlformats.org/officeDocument/2006/relationships" xmlns:p="http://schemas.openxmlformats.org/presentationml/2006/main">
-  <p:cSld>
-    <p:spTree>
-      <p:nvGrpSpPr>
-        <p:cNvPr id="1" name=""/>
-        <p:cNvGrpSpPr/>
-        <p:nvPr/>
-      </p:nvGrpSpPr>
-      <p:grpSpPr>
-        <a:xfrm>
-          <a:off x="0" y="0"/>
-          <a:ext cx="0" cy="0"/>
-          <a:chOff x="0" y="0"/>
-          <a:chExt cx="0" cy="0"/>
-        </a:xfrm>
-      </p:grpSpPr>
-      <p:sp>
-        <p:nvSpPr>
-          <p:cNvPr id="2" name="Title 1"/>
-          <p:cNvSpPr>
-            <a:spLocks noGrp="1"/>
-          </p:cNvSpPr>
-          <p:nvPr>
-            <p:ph type="title"/>
-          </p:nvPr>
-        </p:nvSpPr>
-        <p:spPr/>
-        <p:txBody>
-          <a:bodyPr/>
-          <a:lstStyle/>
-          <a:p>
-            <a:r>
               <a:rPr lang="en-US" dirty="0"/>
               <a:t>Comparison of Syntax</a:t>
             </a:r>
@@ -7657,10 +7634,996 @@
   <p:clrMapOvr>
     <a:masterClrMapping/>
   </p:clrMapOvr>
+  <p:timing>
+    <p:tnLst>
+      <p:par>
+        <p:cTn id="1" dur="indefinite" restart="never" nodeType="tmRoot"/>
+      </p:par>
+    </p:tnLst>
+  </p:timing>
+</p:sld>
+</file>
+
+<file path=ppt/slides/slide21.xml><?xml version="1.0" encoding="utf-8"?>
+<p:sld xmlns:a="http://schemas.openxmlformats.org/drawingml/2006/main" xmlns:r="http://schemas.openxmlformats.org/officeDocument/2006/relationships" xmlns:p="http://schemas.openxmlformats.org/presentationml/2006/main">
+  <p:cSld>
+    <p:spTree>
+      <p:nvGrpSpPr>
+        <p:cNvPr id="1" name=""/>
+        <p:cNvGrpSpPr/>
+        <p:nvPr/>
+      </p:nvGrpSpPr>
+      <p:grpSpPr>
+        <a:xfrm>
+          <a:off x="0" y="0"/>
+          <a:ext cx="0" cy="0"/>
+          <a:chOff x="0" y="0"/>
+          <a:chExt cx="0" cy="0"/>
+        </a:xfrm>
+      </p:grpSpPr>
+      <p:sp>
+        <p:nvSpPr>
+          <p:cNvPr id="2" name="Title 1"/>
+          <p:cNvSpPr>
+            <a:spLocks noGrp="1"/>
+          </p:cNvSpPr>
+          <p:nvPr>
+            <p:ph type="title"/>
+          </p:nvPr>
+        </p:nvSpPr>
+        <p:spPr/>
+        <p:txBody>
+          <a:bodyPr anchor="ctr"/>
+          <a:lstStyle/>
+          <a:p>
+            <a:pPr algn="ctr"/>
+            <a:r>
+              <a:rPr lang="en-US" sz="4000" dirty="0" err="1" smtClean="0">
+                <a:effectLst>
+                  <a:outerShdw blurRad="38100" dist="38100" dir="2700000" algn="tl">
+                    <a:srgbClr val="000000">
+                      <a:alpha val="43137"/>
+                    </a:srgbClr>
+                  </a:outerShdw>
+                </a:effectLst>
+              </a:rPr>
+              <a:t>Gotchas</a:t>
+            </a:r>
+            <a:endParaRPr lang="en-US" sz="4000" dirty="0">
+              <a:effectLst>
+                <a:outerShdw blurRad="38100" dist="38100" dir="2700000" algn="tl">
+                  <a:srgbClr val="000000">
+                    <a:alpha val="43137"/>
+                  </a:srgbClr>
+                </a:outerShdw>
+              </a:effectLst>
+            </a:endParaRPr>
+          </a:p>
+        </p:txBody>
+      </p:sp>
+      <p:pic>
+        <p:nvPicPr>
+          <p:cNvPr id="5" name="Content Placeholder 4"/>
+          <p:cNvPicPr>
+            <a:picLocks noGrp="1" noChangeAspect="1"/>
+          </p:cNvPicPr>
+          <p:nvPr>
+            <p:ph idx="1"/>
+          </p:nvPr>
+        </p:nvPicPr>
+        <p:blipFill>
+          <a:blip r:embed="rId2">
+            <a:extLst>
+              <a:ext uri="{28A0092B-C50C-407E-A947-70E740481C1C}">
+                <a14:useLocalDpi xmlns:a14="http://schemas.microsoft.com/office/drawing/2010/main" val="0"/>
+              </a:ext>
+            </a:extLst>
+          </a:blip>
+          <a:stretch>
+            <a:fillRect/>
+          </a:stretch>
+        </p:blipFill>
+        <p:spPr>
+          <a:xfrm>
+            <a:off x="6916637" y="435812"/>
+            <a:ext cx="3829584" cy="5982535"/>
+          </a:xfrm>
+        </p:spPr>
+      </p:pic>
+      <p:sp>
+        <p:nvSpPr>
+          <p:cNvPr id="4" name="Text Placeholder 3"/>
+          <p:cNvSpPr>
+            <a:spLocks noGrp="1"/>
+          </p:cNvSpPr>
+          <p:nvPr>
+            <p:ph type="body" sz="half" idx="2"/>
+          </p:nvPr>
+        </p:nvSpPr>
+        <p:spPr>
+          <a:xfrm>
+            <a:off x="1073151" y="2424701"/>
+            <a:ext cx="5245456" cy="3436348"/>
+          </a:xfrm>
+          <a:ln>
+            <a:solidFill>
+              <a:schemeClr val="tx1"/>
+            </a:solidFill>
+          </a:ln>
+        </p:spPr>
+        <p:txBody>
+          <a:bodyPr/>
+          <a:lstStyle/>
+          <a:p>
+            <a:r>
+              <a:rPr lang="en-US" sz="2000" b="1" dirty="0" smtClean="0">
+                <a:latin typeface="+mj-lt"/>
+              </a:rPr>
+              <a:t>It Block Mocking Scopes</a:t>
+            </a:r>
+          </a:p>
+          <a:p>
+            <a:pPr marL="285750" indent="-285750">
+              <a:buFont typeface="Arial" panose="020B0604020202020204" pitchFamily="34" charset="0"/>
+              <a:buChar char="•"/>
+            </a:pPr>
+            <a:r>
+              <a:rPr lang="en-US" dirty="0" smtClean="0"/>
+              <a:t>Mocks </a:t>
+            </a:r>
+            <a:r>
+              <a:rPr lang="en-US" dirty="0"/>
+              <a:t>in “It” Blocks are shared with the Context Block. </a:t>
+            </a:r>
+            <a:endParaRPr lang="en-US" dirty="0" smtClean="0"/>
+          </a:p>
+          <a:p>
+            <a:pPr marL="285750" indent="-285750">
+              <a:buFont typeface="Arial" panose="020B0604020202020204" pitchFamily="34" charset="0"/>
+              <a:buChar char="•"/>
+            </a:pPr>
+            <a:r>
+              <a:rPr lang="en-US" dirty="0" smtClean="0"/>
+              <a:t>Context </a:t>
+            </a:r>
+            <a:r>
+              <a:rPr lang="en-US" dirty="0"/>
+              <a:t>is the lowest Mocking block</a:t>
+            </a:r>
+            <a:r>
+              <a:rPr lang="en-US" dirty="0" smtClean="0"/>
+              <a:t>.</a:t>
+            </a:r>
+          </a:p>
+          <a:p>
+            <a:pPr marL="285750" indent="-285750">
+              <a:buFont typeface="Arial" panose="020B0604020202020204" pitchFamily="34" charset="0"/>
+              <a:buChar char="•"/>
+            </a:pPr>
+            <a:r>
+              <a:rPr lang="en-US" dirty="0" smtClean="0"/>
+              <a:t>The last encountered Mock will be the one used.</a:t>
+            </a:r>
+          </a:p>
+          <a:p>
+            <a:pPr marL="285750" indent="-285750">
+              <a:buFont typeface="Arial" panose="020B0604020202020204" pitchFamily="34" charset="0"/>
+              <a:buChar char="•"/>
+            </a:pPr>
+            <a:r>
+              <a:rPr lang="en-US" dirty="0" smtClean="0"/>
+              <a:t>The Second Mock in the bottom example is used.</a:t>
+            </a:r>
+          </a:p>
+          <a:p>
+            <a:r>
+              <a:rPr lang="en-US" sz="1600" b="1" dirty="0" smtClean="0">
+                <a:solidFill>
+                  <a:srgbClr val="48B4E4"/>
+                </a:solidFill>
+              </a:rPr>
+              <a:t>Mock</a:t>
+            </a:r>
+            <a:r>
+              <a:rPr lang="en-US" sz="1600" b="1" dirty="0" smtClean="0"/>
+              <a:t> </a:t>
+            </a:r>
+            <a:r>
+              <a:rPr lang="en-US" sz="1600" b="1" dirty="0" smtClean="0">
+                <a:solidFill>
+                  <a:srgbClr val="92D050"/>
+                </a:solidFill>
+              </a:rPr>
+              <a:t>Get-Date</a:t>
+            </a:r>
+            <a:r>
+              <a:rPr lang="en-US" sz="1600" b="1" dirty="0" smtClean="0"/>
+              <a:t> { </a:t>
+            </a:r>
+            <a:r>
+              <a:rPr lang="en-US" sz="1600" b="1" dirty="0" smtClean="0">
+                <a:solidFill>
+                  <a:srgbClr val="FF3399"/>
+                </a:solidFill>
+              </a:rPr>
+              <a:t>Return</a:t>
+            </a:r>
+            <a:r>
+              <a:rPr lang="en-US" sz="1600" b="1" dirty="0" smtClean="0"/>
+              <a:t> </a:t>
+            </a:r>
+            <a:r>
+              <a:rPr lang="en-US" sz="1600" b="1" dirty="0" smtClean="0">
+                <a:solidFill>
+                  <a:srgbClr val="FDF29D"/>
+                </a:solidFill>
+              </a:rPr>
+              <a:t>’13-2016’</a:t>
+            </a:r>
+            <a:r>
+              <a:rPr lang="en-US" sz="1600" b="1" dirty="0" smtClean="0"/>
+              <a:t> }</a:t>
+            </a:r>
+          </a:p>
+        </p:txBody>
+      </p:sp>
+    </p:spTree>
+    <p:extLst>
+      <p:ext uri="{BB962C8B-B14F-4D97-AF65-F5344CB8AC3E}">
+        <p14:creationId xmlns:p14="http://schemas.microsoft.com/office/powerpoint/2010/main" val="1760072800"/>
+      </p:ext>
+    </p:extLst>
+  </p:cSld>
+  <p:clrMapOvr>
+    <a:masterClrMapping/>
+  </p:clrMapOvr>
+  <p:timing>
+    <p:tnLst>
+      <p:par>
+        <p:cTn id="1" dur="indefinite" restart="never" nodeType="tmRoot"/>
+      </p:par>
+    </p:tnLst>
+  </p:timing>
 </p:sld>
 </file>
 
 <file path=ppt/slides/slide22.xml><?xml version="1.0" encoding="utf-8"?>
+<p:sld xmlns:a="http://schemas.openxmlformats.org/drawingml/2006/main" xmlns:r="http://schemas.openxmlformats.org/officeDocument/2006/relationships" xmlns:p="http://schemas.openxmlformats.org/presentationml/2006/main">
+  <p:cSld>
+    <p:spTree>
+      <p:nvGrpSpPr>
+        <p:cNvPr id="1" name=""/>
+        <p:cNvGrpSpPr/>
+        <p:nvPr/>
+      </p:nvGrpSpPr>
+      <p:grpSpPr>
+        <a:xfrm>
+          <a:off x="0" y="0"/>
+          <a:ext cx="0" cy="0"/>
+          <a:chOff x="0" y="0"/>
+          <a:chExt cx="0" cy="0"/>
+        </a:xfrm>
+      </p:grpSpPr>
+      <p:sp>
+        <p:nvSpPr>
+          <p:cNvPr id="2" name="Title 1"/>
+          <p:cNvSpPr>
+            <a:spLocks noGrp="1"/>
+          </p:cNvSpPr>
+          <p:nvPr>
+            <p:ph type="title"/>
+          </p:nvPr>
+        </p:nvSpPr>
+        <p:spPr/>
+        <p:txBody>
+          <a:bodyPr anchor="ctr"/>
+          <a:lstStyle/>
+          <a:p>
+            <a:pPr algn="ctr"/>
+            <a:r>
+              <a:rPr lang="en-US" sz="4000" dirty="0" err="1" smtClean="0">
+                <a:effectLst>
+                  <a:outerShdw blurRad="38100" dist="38100" dir="2700000" algn="tl">
+                    <a:srgbClr val="000000">
+                      <a:alpha val="43137"/>
+                    </a:srgbClr>
+                  </a:outerShdw>
+                </a:effectLst>
+              </a:rPr>
+              <a:t>Gotchas</a:t>
+            </a:r>
+            <a:endParaRPr lang="en-US" sz="4000" dirty="0">
+              <a:effectLst>
+                <a:outerShdw blurRad="38100" dist="38100" dir="2700000" algn="tl">
+                  <a:srgbClr val="000000">
+                    <a:alpha val="43137"/>
+                  </a:srgbClr>
+                </a:outerShdw>
+              </a:effectLst>
+            </a:endParaRPr>
+          </a:p>
+        </p:txBody>
+      </p:sp>
+      <p:sp>
+        <p:nvSpPr>
+          <p:cNvPr id="4" name="Text Placeholder 3"/>
+          <p:cNvSpPr>
+            <a:spLocks noGrp="1"/>
+          </p:cNvSpPr>
+          <p:nvPr>
+            <p:ph type="body" sz="half" idx="2"/>
+          </p:nvPr>
+        </p:nvSpPr>
+        <p:spPr>
+          <a:xfrm>
+            <a:off x="1073151" y="2424701"/>
+            <a:ext cx="5245456" cy="3436348"/>
+          </a:xfrm>
+          <a:ln>
+            <a:solidFill>
+              <a:schemeClr val="tx1"/>
+            </a:solidFill>
+          </a:ln>
+        </p:spPr>
+        <p:txBody>
+          <a:bodyPr/>
+          <a:lstStyle/>
+          <a:p>
+            <a:r>
+              <a:rPr lang="en-US" sz="2000" b="1" dirty="0" smtClean="0">
+                <a:latin typeface="+mj-lt"/>
+              </a:rPr>
+              <a:t>Asserting Throw</a:t>
+            </a:r>
+          </a:p>
+          <a:p>
+            <a:pPr marL="285750" indent="-285750">
+              <a:buFont typeface="Arial" panose="020B0604020202020204" pitchFamily="34" charset="0"/>
+              <a:buChar char="•"/>
+            </a:pPr>
+            <a:r>
+              <a:rPr lang="en-US" dirty="0" smtClean="0"/>
+              <a:t>When </a:t>
+            </a:r>
+            <a:r>
+              <a:rPr lang="en-US" dirty="0"/>
+              <a:t>Asserting Should Throw or Should Not Throw, the command must be in a </a:t>
+            </a:r>
+            <a:r>
+              <a:rPr lang="en-US" dirty="0" err="1"/>
+              <a:t>scriptblock</a:t>
+            </a:r>
+            <a:r>
+              <a:rPr lang="en-US" dirty="0" smtClean="0"/>
+              <a:t>.</a:t>
+            </a:r>
+          </a:p>
+          <a:p>
+            <a:pPr marL="285750" indent="-285750">
+              <a:buFont typeface="Arial" panose="020B0604020202020204" pitchFamily="34" charset="0"/>
+              <a:buChar char="•"/>
+            </a:pPr>
+            <a:r>
+              <a:rPr lang="en-US" dirty="0" smtClean="0"/>
+              <a:t>The Command will be executed outside of the Assertion if not in a </a:t>
+            </a:r>
+            <a:r>
+              <a:rPr lang="en-US" dirty="0" err="1" smtClean="0"/>
+              <a:t>scriptblock</a:t>
+            </a:r>
+            <a:r>
+              <a:rPr lang="en-US" dirty="0" smtClean="0"/>
+              <a:t>.</a:t>
+            </a:r>
+          </a:p>
+          <a:p>
+            <a:pPr marL="285750" indent="-285750">
+              <a:buFont typeface="Arial" panose="020B0604020202020204" pitchFamily="34" charset="0"/>
+              <a:buChar char="•"/>
+            </a:pPr>
+            <a:r>
+              <a:rPr lang="en-US" dirty="0" smtClean="0"/>
+              <a:t>The ‘No Curly Braces’ It Block is not correct in this example.</a:t>
+            </a:r>
+            <a:endParaRPr lang="en-US" dirty="0"/>
+          </a:p>
+        </p:txBody>
+      </p:sp>
+      <p:pic>
+        <p:nvPicPr>
+          <p:cNvPr id="6" name="Content Placeholder 5"/>
+          <p:cNvPicPr>
+            <a:picLocks noGrp="1" noChangeAspect="1"/>
+          </p:cNvPicPr>
+          <p:nvPr>
+            <p:ph idx="1"/>
+          </p:nvPr>
+        </p:nvPicPr>
+        <p:blipFill>
+          <a:blip r:embed="rId2">
+            <a:extLst>
+              <a:ext uri="{28A0092B-C50C-407E-A947-70E740481C1C}">
+                <a14:useLocalDpi xmlns:a14="http://schemas.microsoft.com/office/drawing/2010/main" val="0"/>
+              </a:ext>
+            </a:extLst>
+          </a:blip>
+          <a:stretch>
+            <a:fillRect/>
+          </a:stretch>
+        </p:blipFill>
+        <p:spPr>
+          <a:xfrm>
+            <a:off x="7145971" y="1872549"/>
+            <a:ext cx="4227631" cy="2828938"/>
+          </a:xfrm>
+        </p:spPr>
+      </p:pic>
+    </p:spTree>
+    <p:extLst>
+      <p:ext uri="{BB962C8B-B14F-4D97-AF65-F5344CB8AC3E}">
+        <p14:creationId xmlns:p14="http://schemas.microsoft.com/office/powerpoint/2010/main" val="3840007727"/>
+      </p:ext>
+    </p:extLst>
+  </p:cSld>
+  <p:clrMapOvr>
+    <a:masterClrMapping/>
+  </p:clrMapOvr>
+  <p:timing>
+    <p:tnLst>
+      <p:par>
+        <p:cTn id="1" dur="indefinite" restart="never" nodeType="tmRoot"/>
+      </p:par>
+    </p:tnLst>
+  </p:timing>
+</p:sld>
+</file>
+
+<file path=ppt/slides/slide23.xml><?xml version="1.0" encoding="utf-8"?>
+<p:sld xmlns:a="http://schemas.openxmlformats.org/drawingml/2006/main" xmlns:r="http://schemas.openxmlformats.org/officeDocument/2006/relationships" xmlns:p="http://schemas.openxmlformats.org/presentationml/2006/main">
+  <p:cSld>
+    <p:spTree>
+      <p:nvGrpSpPr>
+        <p:cNvPr id="1" name=""/>
+        <p:cNvGrpSpPr/>
+        <p:nvPr/>
+      </p:nvGrpSpPr>
+      <p:grpSpPr>
+        <a:xfrm>
+          <a:off x="0" y="0"/>
+          <a:ext cx="0" cy="0"/>
+          <a:chOff x="0" y="0"/>
+          <a:chExt cx="0" cy="0"/>
+        </a:xfrm>
+      </p:grpSpPr>
+      <p:sp>
+        <p:nvSpPr>
+          <p:cNvPr id="2" name="Title 1"/>
+          <p:cNvSpPr>
+            <a:spLocks noGrp="1"/>
+          </p:cNvSpPr>
+          <p:nvPr>
+            <p:ph type="title"/>
+          </p:nvPr>
+        </p:nvSpPr>
+        <p:spPr/>
+        <p:txBody>
+          <a:bodyPr anchor="ctr"/>
+          <a:lstStyle/>
+          <a:p>
+            <a:pPr algn="ctr"/>
+            <a:r>
+              <a:rPr lang="en-US" sz="4000" dirty="0" err="1" smtClean="0">
+                <a:effectLst>
+                  <a:outerShdw blurRad="38100" dist="38100" dir="2700000" algn="tl">
+                    <a:srgbClr val="000000">
+                      <a:alpha val="43137"/>
+                    </a:srgbClr>
+                  </a:outerShdw>
+                </a:effectLst>
+              </a:rPr>
+              <a:t>Gotchas</a:t>
+            </a:r>
+            <a:endParaRPr lang="en-US" sz="4000" dirty="0">
+              <a:effectLst>
+                <a:outerShdw blurRad="38100" dist="38100" dir="2700000" algn="tl">
+                  <a:srgbClr val="000000">
+                    <a:alpha val="43137"/>
+                  </a:srgbClr>
+                </a:outerShdw>
+              </a:effectLst>
+            </a:endParaRPr>
+          </a:p>
+        </p:txBody>
+      </p:sp>
+      <p:sp>
+        <p:nvSpPr>
+          <p:cNvPr id="4" name="Text Placeholder 3"/>
+          <p:cNvSpPr>
+            <a:spLocks noGrp="1"/>
+          </p:cNvSpPr>
+          <p:nvPr>
+            <p:ph type="body" sz="half" idx="2"/>
+          </p:nvPr>
+        </p:nvSpPr>
+        <p:spPr>
+          <a:xfrm>
+            <a:off x="1073151" y="2424701"/>
+            <a:ext cx="5245456" cy="3436348"/>
+          </a:xfrm>
+          <a:ln>
+            <a:solidFill>
+              <a:schemeClr val="tx1"/>
+            </a:solidFill>
+          </a:ln>
+        </p:spPr>
+        <p:txBody>
+          <a:bodyPr/>
+          <a:lstStyle/>
+          <a:p>
+            <a:r>
+              <a:rPr lang="en-US" sz="2000" b="1" dirty="0" smtClean="0">
+                <a:latin typeface="+mj-lt"/>
+              </a:rPr>
+              <a:t>Fixture is a </a:t>
+            </a:r>
+            <a:r>
+              <a:rPr lang="en-US" sz="2000" b="1" dirty="0" err="1" smtClean="0">
+                <a:latin typeface="+mj-lt"/>
+              </a:rPr>
+              <a:t>Scriptblock</a:t>
+            </a:r>
+            <a:endParaRPr lang="en-US" sz="2000" b="1" dirty="0" smtClean="0">
+              <a:latin typeface="+mj-lt"/>
+            </a:endParaRPr>
+          </a:p>
+          <a:p>
+            <a:pPr marL="285750" indent="-285750">
+              <a:buFont typeface="Arial" panose="020B0604020202020204" pitchFamily="34" charset="0"/>
+              <a:buChar char="•"/>
+            </a:pPr>
+            <a:r>
+              <a:rPr lang="en-US" dirty="0" smtClean="0"/>
+              <a:t>To use </a:t>
+            </a:r>
+            <a:r>
+              <a:rPr lang="en-US" dirty="0" err="1" smtClean="0"/>
+              <a:t>Pester’s</a:t>
+            </a:r>
+            <a:r>
+              <a:rPr lang="en-US" dirty="0" smtClean="0"/>
+              <a:t> DSL, the -Fixture </a:t>
+            </a:r>
+            <a:r>
+              <a:rPr lang="en-US" dirty="0" err="1" smtClean="0"/>
+              <a:t>param</a:t>
+            </a:r>
+            <a:r>
+              <a:rPr lang="en-US" dirty="0"/>
+              <a:t> </a:t>
+            </a:r>
+            <a:r>
+              <a:rPr lang="en-US" dirty="0" smtClean="0"/>
+              <a:t>name is omitted.</a:t>
+            </a:r>
+          </a:p>
+          <a:p>
+            <a:pPr marL="285750" indent="-285750">
+              <a:buFont typeface="Arial" panose="020B0604020202020204" pitchFamily="34" charset="0"/>
+              <a:buChar char="•"/>
+            </a:pPr>
+            <a:r>
+              <a:rPr lang="en-US" dirty="0" smtClean="0"/>
+              <a:t>These commands do not allow braces to be on new lines like functions.</a:t>
+            </a:r>
+          </a:p>
+          <a:p>
+            <a:pPr marL="285750" indent="-285750">
+              <a:buFont typeface="Arial" panose="020B0604020202020204" pitchFamily="34" charset="0"/>
+              <a:buChar char="•"/>
+            </a:pPr>
+            <a:r>
+              <a:rPr lang="en-US" dirty="0" smtClean="0"/>
+              <a:t>In the first example ‘New Line’ It block breaks the entire Describe Block.</a:t>
+            </a:r>
+          </a:p>
+          <a:p>
+            <a:pPr marL="285750" indent="-285750">
+              <a:buFont typeface="Arial" panose="020B0604020202020204" pitchFamily="34" charset="0"/>
+              <a:buChar char="•"/>
+            </a:pPr>
+            <a:r>
+              <a:rPr lang="en-US" dirty="0" smtClean="0"/>
+              <a:t>The second example will also break the entire Describe Block.</a:t>
+            </a:r>
+            <a:endParaRPr lang="en-US" dirty="0"/>
+          </a:p>
+        </p:txBody>
+      </p:sp>
+      <p:pic>
+        <p:nvPicPr>
+          <p:cNvPr id="6" name="Content Placeholder 5"/>
+          <p:cNvPicPr>
+            <a:picLocks noGrp="1" noChangeAspect="1"/>
+          </p:cNvPicPr>
+          <p:nvPr>
+            <p:ph idx="1"/>
+          </p:nvPr>
+        </p:nvPicPr>
+        <p:blipFill>
+          <a:blip r:embed="rId2">
+            <a:extLst>
+              <a:ext uri="{28A0092B-C50C-407E-A947-70E740481C1C}">
+                <a14:useLocalDpi xmlns:a14="http://schemas.microsoft.com/office/drawing/2010/main" val="0"/>
+              </a:ext>
+            </a:extLst>
+          </a:blip>
+          <a:stretch>
+            <a:fillRect/>
+          </a:stretch>
+        </p:blipFill>
+        <p:spPr>
+          <a:xfrm>
+            <a:off x="7053628" y="506065"/>
+            <a:ext cx="4421169" cy="5305403"/>
+          </a:xfrm>
+        </p:spPr>
+      </p:pic>
+    </p:spTree>
+    <p:extLst>
+      <p:ext uri="{BB962C8B-B14F-4D97-AF65-F5344CB8AC3E}">
+        <p14:creationId xmlns:p14="http://schemas.microsoft.com/office/powerpoint/2010/main" val="2798674773"/>
+      </p:ext>
+    </p:extLst>
+  </p:cSld>
+  <p:clrMapOvr>
+    <a:masterClrMapping/>
+  </p:clrMapOvr>
+  <p:timing>
+    <p:tnLst>
+      <p:par>
+        <p:cTn id="1" dur="indefinite" restart="never" nodeType="tmRoot"/>
+      </p:par>
+    </p:tnLst>
+  </p:timing>
+</p:sld>
+</file>
+
+<file path=ppt/slides/slide24.xml><?xml version="1.0" encoding="utf-8"?>
+<p:sld xmlns:a="http://schemas.openxmlformats.org/drawingml/2006/main" xmlns:r="http://schemas.openxmlformats.org/officeDocument/2006/relationships" xmlns:p="http://schemas.openxmlformats.org/presentationml/2006/main">
+  <p:cSld>
+    <p:spTree>
+      <p:nvGrpSpPr>
+        <p:cNvPr id="1" name=""/>
+        <p:cNvGrpSpPr/>
+        <p:nvPr/>
+      </p:nvGrpSpPr>
+      <p:grpSpPr>
+        <a:xfrm>
+          <a:off x="0" y="0"/>
+          <a:ext cx="0" cy="0"/>
+          <a:chOff x="0" y="0"/>
+          <a:chExt cx="0" cy="0"/>
+        </a:xfrm>
+      </p:grpSpPr>
+      <p:sp>
+        <p:nvSpPr>
+          <p:cNvPr id="2" name="Title 1"/>
+          <p:cNvSpPr>
+            <a:spLocks noGrp="1"/>
+          </p:cNvSpPr>
+          <p:nvPr>
+            <p:ph type="title"/>
+          </p:nvPr>
+        </p:nvSpPr>
+        <p:spPr/>
+        <p:txBody>
+          <a:bodyPr anchor="ctr"/>
+          <a:lstStyle/>
+          <a:p>
+            <a:pPr algn="ctr"/>
+            <a:r>
+              <a:rPr lang="en-US" sz="4000" dirty="0" err="1" smtClean="0">
+                <a:effectLst>
+                  <a:outerShdw blurRad="38100" dist="38100" dir="2700000" algn="tl">
+                    <a:srgbClr val="000000">
+                      <a:alpha val="43137"/>
+                    </a:srgbClr>
+                  </a:outerShdw>
+                </a:effectLst>
+              </a:rPr>
+              <a:t>Gotchas</a:t>
+            </a:r>
+            <a:endParaRPr lang="en-US" sz="4000" dirty="0">
+              <a:effectLst>
+                <a:outerShdw blurRad="38100" dist="38100" dir="2700000" algn="tl">
+                  <a:srgbClr val="000000">
+                    <a:alpha val="43137"/>
+                  </a:srgbClr>
+                </a:outerShdw>
+              </a:effectLst>
+            </a:endParaRPr>
+          </a:p>
+        </p:txBody>
+      </p:sp>
+      <p:sp>
+        <p:nvSpPr>
+          <p:cNvPr id="4" name="Text Placeholder 3"/>
+          <p:cNvSpPr>
+            <a:spLocks noGrp="1"/>
+          </p:cNvSpPr>
+          <p:nvPr>
+            <p:ph type="body" sz="half" idx="2"/>
+          </p:nvPr>
+        </p:nvSpPr>
+        <p:spPr>
+          <a:xfrm>
+            <a:off x="1073151" y="2424701"/>
+            <a:ext cx="5245456" cy="3436348"/>
+          </a:xfrm>
+          <a:ln>
+            <a:solidFill>
+              <a:schemeClr val="tx1"/>
+            </a:solidFill>
+          </a:ln>
+        </p:spPr>
+        <p:txBody>
+          <a:bodyPr/>
+          <a:lstStyle/>
+          <a:p>
+            <a:r>
+              <a:rPr lang="en-US" sz="2000" b="1" dirty="0" smtClean="0">
+                <a:latin typeface="+mj-lt"/>
+              </a:rPr>
+              <a:t>Comparing Arrays</a:t>
+            </a:r>
+          </a:p>
+          <a:p>
+            <a:pPr marL="285750" indent="-285750">
+              <a:buFont typeface="Arial" panose="020B0604020202020204" pitchFamily="34" charset="0"/>
+              <a:buChar char="•"/>
+            </a:pPr>
+            <a:r>
+              <a:rPr lang="en-US" dirty="0" smtClean="0"/>
+              <a:t>Pester does not handle arrays the way you’d expect.</a:t>
+            </a:r>
+          </a:p>
+          <a:p>
+            <a:pPr marL="285750" indent="-285750">
+              <a:buFont typeface="Arial" panose="020B0604020202020204" pitchFamily="34" charset="0"/>
+              <a:buChar char="•"/>
+            </a:pPr>
+            <a:r>
+              <a:rPr lang="en-US" dirty="0" smtClean="0"/>
+              <a:t>Since you are piping the array to Should, each value of the array is being tested individually.</a:t>
+            </a:r>
+          </a:p>
+          <a:p>
+            <a:pPr marL="285750" indent="-285750">
+              <a:buFont typeface="Arial" panose="020B0604020202020204" pitchFamily="34" charset="0"/>
+              <a:buChar char="•"/>
+            </a:pPr>
+            <a:r>
+              <a:rPr lang="en-US" dirty="0" smtClean="0"/>
+              <a:t>There are a few solutions you can find to test arrays. I know there is at least one on the </a:t>
+            </a:r>
+            <a:r>
+              <a:rPr lang="en-US" dirty="0" err="1" smtClean="0"/>
+              <a:t>PSGallery</a:t>
+            </a:r>
+            <a:r>
+              <a:rPr lang="en-US" dirty="0" smtClean="0"/>
+              <a:t>.</a:t>
+            </a:r>
+          </a:p>
+          <a:p>
+            <a:pPr marL="285750" indent="-285750">
+              <a:buFont typeface="Arial" panose="020B0604020202020204" pitchFamily="34" charset="0"/>
+              <a:buChar char="•"/>
+            </a:pPr>
+            <a:r>
+              <a:rPr lang="en-US" dirty="0" smtClean="0"/>
+              <a:t>Pester V4 addresses this issue and has better array handling.</a:t>
+            </a:r>
+          </a:p>
+        </p:txBody>
+      </p:sp>
+      <p:pic>
+        <p:nvPicPr>
+          <p:cNvPr id="6" name="Content Placeholder 5"/>
+          <p:cNvPicPr>
+            <a:picLocks noGrp="1" noChangeAspect="1"/>
+          </p:cNvPicPr>
+          <p:nvPr>
+            <p:ph idx="1"/>
+          </p:nvPr>
+        </p:nvPicPr>
+        <p:blipFill>
+          <a:blip r:embed="rId2">
+            <a:extLst>
+              <a:ext uri="{28A0092B-C50C-407E-A947-70E740481C1C}">
+                <a14:useLocalDpi xmlns:a14="http://schemas.microsoft.com/office/drawing/2010/main" val="0"/>
+              </a:ext>
+            </a:extLst>
+          </a:blip>
+          <a:stretch>
+            <a:fillRect/>
+          </a:stretch>
+        </p:blipFill>
+        <p:spPr>
+          <a:xfrm>
+            <a:off x="7053628" y="620901"/>
+            <a:ext cx="4421169" cy="5075731"/>
+          </a:xfrm>
+        </p:spPr>
+      </p:pic>
+    </p:spTree>
+    <p:extLst>
+      <p:ext uri="{BB962C8B-B14F-4D97-AF65-F5344CB8AC3E}">
+        <p14:creationId xmlns:p14="http://schemas.microsoft.com/office/powerpoint/2010/main" val="3984414038"/>
+      </p:ext>
+    </p:extLst>
+  </p:cSld>
+  <p:clrMapOvr>
+    <a:masterClrMapping/>
+  </p:clrMapOvr>
+  <p:timing>
+    <p:tnLst>
+      <p:par>
+        <p:cTn id="1" dur="indefinite" restart="never" nodeType="tmRoot"/>
+      </p:par>
+    </p:tnLst>
+  </p:timing>
+</p:sld>
+</file>
+
+<file path=ppt/slides/slide25.xml><?xml version="1.0" encoding="utf-8"?>
+<p:sld xmlns:a="http://schemas.openxmlformats.org/drawingml/2006/main" xmlns:r="http://schemas.openxmlformats.org/officeDocument/2006/relationships" xmlns:p="http://schemas.openxmlformats.org/presentationml/2006/main">
+  <p:cSld>
+    <p:spTree>
+      <p:nvGrpSpPr>
+        <p:cNvPr id="1" name=""/>
+        <p:cNvGrpSpPr/>
+        <p:nvPr/>
+      </p:nvGrpSpPr>
+      <p:grpSpPr>
+        <a:xfrm>
+          <a:off x="0" y="0"/>
+          <a:ext cx="0" cy="0"/>
+          <a:chOff x="0" y="0"/>
+          <a:chExt cx="0" cy="0"/>
+        </a:xfrm>
+      </p:grpSpPr>
+      <p:sp>
+        <p:nvSpPr>
+          <p:cNvPr id="2" name="Title 1"/>
+          <p:cNvSpPr>
+            <a:spLocks noGrp="1"/>
+          </p:cNvSpPr>
+          <p:nvPr>
+            <p:ph type="title"/>
+          </p:nvPr>
+        </p:nvSpPr>
+        <p:spPr/>
+        <p:txBody>
+          <a:bodyPr/>
+          <a:lstStyle/>
+          <a:p>
+            <a:r>
+              <a:rPr lang="en-US" dirty="0" smtClean="0"/>
+              <a:t>Where are the Bugs?!</a:t>
+            </a:r>
+            <a:endParaRPr lang="en-US" dirty="0"/>
+          </a:p>
+        </p:txBody>
+      </p:sp>
+      <p:sp>
+        <p:nvSpPr>
+          <p:cNvPr id="3" name="Content Placeholder 2"/>
+          <p:cNvSpPr>
+            <a:spLocks noGrp="1"/>
+          </p:cNvSpPr>
+          <p:nvPr>
+            <p:ph idx="1"/>
+          </p:nvPr>
+        </p:nvSpPr>
+        <p:spPr>
+          <a:xfrm>
+            <a:off x="267128" y="2222287"/>
+            <a:ext cx="6544638" cy="3636511"/>
+          </a:xfrm>
+        </p:spPr>
+        <p:txBody>
+          <a:bodyPr/>
+          <a:lstStyle/>
+          <a:p>
+            <a:pPr marL="0" indent="0">
+              <a:buNone/>
+            </a:pPr>
+            <a:r>
+              <a:rPr lang="en-US" sz="2000" b="1" dirty="0" smtClean="0"/>
+              <a:t>Is there a bug in my code or in my tests?</a:t>
+            </a:r>
+            <a:r>
+              <a:rPr lang="en-US" dirty="0" smtClean="0"/>
+              <a:t> </a:t>
+            </a:r>
+          </a:p>
+          <a:p>
+            <a:r>
+              <a:rPr lang="en-US" dirty="0" smtClean="0"/>
+              <a:t>When you start to write your scripts with tests in mind this becomes less of an issue.</a:t>
+            </a:r>
+          </a:p>
+          <a:p>
+            <a:r>
+              <a:rPr lang="en-US" dirty="0" smtClean="0"/>
+              <a:t>Breaking things down into manageable pieces really makes the debugging process a lot easier.</a:t>
+            </a:r>
+          </a:p>
+          <a:p>
+            <a:r>
+              <a:rPr lang="en-US" dirty="0" smtClean="0"/>
+              <a:t>This is why you should also only use one Assert per It block. It makes it much easier to find the problem </a:t>
+            </a:r>
+            <a:r>
+              <a:rPr lang="en-US" smtClean="0"/>
+              <a:t>areas.</a:t>
+            </a:r>
+            <a:endParaRPr lang="en-US" dirty="0" smtClean="0"/>
+          </a:p>
+        </p:txBody>
+      </p:sp>
+      <p:pic>
+        <p:nvPicPr>
+          <p:cNvPr id="4" name="Picture 3"/>
+          <p:cNvPicPr>
+            <a:picLocks noChangeAspect="1"/>
+          </p:cNvPicPr>
+          <p:nvPr/>
+        </p:nvPicPr>
+        <p:blipFill>
+          <a:blip r:embed="rId2">
+            <a:extLst>
+              <a:ext uri="{28A0092B-C50C-407E-A947-70E740481C1C}">
+                <a14:useLocalDpi xmlns:a14="http://schemas.microsoft.com/office/drawing/2010/main" val="0"/>
+              </a:ext>
+            </a:extLst>
+          </a:blip>
+          <a:stretch>
+            <a:fillRect/>
+          </a:stretch>
+        </p:blipFill>
+        <p:spPr>
+          <a:xfrm>
+            <a:off x="7020897" y="2093521"/>
+            <a:ext cx="4717542" cy="3538157"/>
+          </a:xfrm>
+          <a:prstGeom prst="rect">
+            <a:avLst/>
+          </a:prstGeom>
+        </p:spPr>
+      </p:pic>
+    </p:spTree>
+    <p:extLst>
+      <p:ext uri="{BB962C8B-B14F-4D97-AF65-F5344CB8AC3E}">
+        <p14:creationId xmlns:p14="http://schemas.microsoft.com/office/powerpoint/2010/main" val="1558079792"/>
+      </p:ext>
+    </p:extLst>
+  </p:cSld>
+  <p:clrMapOvr>
+    <a:masterClrMapping/>
+  </p:clrMapOvr>
+  <p:timing>
+    <p:tnLst>
+      <p:par>
+        <p:cTn id="1" dur="indefinite" restart="never" nodeType="tmRoot"/>
+      </p:par>
+    </p:tnLst>
+  </p:timing>
+</p:sld>
+</file>
+
+<file path=ppt/slides/slide26.xml><?xml version="1.0" encoding="utf-8"?>
 <p:sld xmlns:a="http://schemas.openxmlformats.org/drawingml/2006/main" xmlns:r="http://schemas.openxmlformats.org/officeDocument/2006/relationships" xmlns:p="http://schemas.openxmlformats.org/presentationml/2006/main">
   <p:cSld>
     <p:spTree>
@@ -7794,699 +8757,13 @@
   <p:clrMapOvr>
     <a:masterClrMapping/>
   </p:clrMapOvr>
-</p:sld>
-</file>
-
-<file path=ppt/slides/slide23.xml><?xml version="1.0" encoding="utf-8"?>
-<p:sld xmlns:a="http://schemas.openxmlformats.org/drawingml/2006/main" xmlns:r="http://schemas.openxmlformats.org/officeDocument/2006/relationships" xmlns:p="http://schemas.openxmlformats.org/presentationml/2006/main">
-  <p:cSld>
-    <p:spTree>
-      <p:nvGrpSpPr>
-        <p:cNvPr id="1" name=""/>
-        <p:cNvGrpSpPr/>
-        <p:nvPr/>
-      </p:nvGrpSpPr>
-      <p:grpSpPr>
-        <a:xfrm>
-          <a:off x="0" y="0"/>
-          <a:ext cx="0" cy="0"/>
-          <a:chOff x="0" y="0"/>
-          <a:chExt cx="0" cy="0"/>
-        </a:xfrm>
-      </p:grpSpPr>
-      <p:sp>
-        <p:nvSpPr>
-          <p:cNvPr id="2" name="Title 1"/>
-          <p:cNvSpPr>
-            <a:spLocks noGrp="1"/>
-          </p:cNvSpPr>
-          <p:nvPr>
-            <p:ph type="title"/>
-          </p:nvPr>
-        </p:nvSpPr>
-        <p:spPr/>
-        <p:txBody>
-          <a:bodyPr/>
-          <a:lstStyle/>
-          <a:p>
-            <a:r>
-              <a:rPr lang="en-US" dirty="0">
-                <a:effectLst>
-                  <a:outerShdw blurRad="38100" dist="38100" dir="2700000" algn="tl">
-                    <a:srgbClr val="000000">
-                      <a:alpha val="43137"/>
-                    </a:srgbClr>
-                  </a:outerShdw>
-                </a:effectLst>
-              </a:rPr>
-              <a:t>Immediate Wins</a:t>
-            </a:r>
-            <a:endParaRPr lang="en-US" dirty="0"/>
-          </a:p>
-        </p:txBody>
-      </p:sp>
-      <p:sp>
-        <p:nvSpPr>
-          <p:cNvPr id="3" name="Content Placeholder 2"/>
-          <p:cNvSpPr>
-            <a:spLocks noGrp="1"/>
-          </p:cNvSpPr>
-          <p:nvPr>
-            <p:ph idx="1"/>
-          </p:nvPr>
-        </p:nvSpPr>
-        <p:spPr>
-          <a:xfrm>
-            <a:off x="818712" y="2222287"/>
-            <a:ext cx="10554574" cy="4168239"/>
-          </a:xfrm>
-        </p:spPr>
-        <p:txBody>
-          <a:bodyPr>
-            <a:normAutofit fontScale="92500" lnSpcReduction="20000"/>
-          </a:bodyPr>
-          <a:lstStyle/>
-          <a:p>
-            <a:r>
-              <a:rPr lang="en-US" dirty="0"/>
-              <a:t>Built in Cmdlets don’t always function the way we think or expect.</a:t>
-            </a:r>
-          </a:p>
-          <a:p>
-            <a:r>
-              <a:rPr lang="en-US" dirty="0"/>
-              <a:t>An example I encountered was </a:t>
-            </a:r>
-            <a:r>
-              <a:rPr lang="en-US" dirty="0" err="1"/>
-              <a:t>Eventlogs</a:t>
-            </a:r>
-            <a:r>
-              <a:rPr lang="en-US" dirty="0"/>
-              <a:t>. Get-</a:t>
-            </a:r>
-            <a:r>
-              <a:rPr lang="en-US" dirty="0" err="1"/>
-              <a:t>Eventlog</a:t>
-            </a:r>
-            <a:r>
-              <a:rPr lang="en-US" dirty="0"/>
-              <a:t>, New-</a:t>
-            </a:r>
-            <a:r>
-              <a:rPr lang="en-US" dirty="0" err="1"/>
-              <a:t>Eventlog</a:t>
-            </a:r>
-            <a:r>
-              <a:rPr lang="en-US" dirty="0"/>
-              <a:t>, and Write-</a:t>
-            </a:r>
-            <a:r>
-              <a:rPr lang="en-US" dirty="0" err="1"/>
-              <a:t>Eventlog</a:t>
-            </a:r>
-            <a:r>
-              <a:rPr lang="en-US" dirty="0"/>
-              <a:t> can have some odd behavior. </a:t>
-            </a:r>
-          </a:p>
-          <a:p>
-            <a:r>
-              <a:rPr lang="en-US" dirty="0" err="1"/>
-              <a:t>Lognames</a:t>
-            </a:r>
-            <a:r>
-              <a:rPr lang="en-US" dirty="0"/>
-              <a:t> only respect the first 8 </a:t>
-            </a:r>
-            <a:r>
-              <a:rPr lang="en-US" dirty="0" err="1"/>
-              <a:t>charcters</a:t>
-            </a:r>
-            <a:r>
-              <a:rPr lang="en-US" dirty="0"/>
-              <a:t> of a name. A </a:t>
-            </a:r>
-            <a:r>
-              <a:rPr lang="en-US" dirty="0" err="1"/>
-              <a:t>logname</a:t>
-            </a:r>
-            <a:r>
-              <a:rPr lang="en-US" dirty="0"/>
-              <a:t> of “12345678” will interfere with a </a:t>
-            </a:r>
-            <a:r>
-              <a:rPr lang="en-US" dirty="0" err="1"/>
-              <a:t>logname</a:t>
-            </a:r>
-            <a:r>
-              <a:rPr lang="en-US" dirty="0"/>
-              <a:t> of “1234567891011”</a:t>
-            </a:r>
-          </a:p>
-          <a:p>
-            <a:r>
-              <a:rPr lang="en-US" dirty="0" err="1"/>
-              <a:t>EventLogs</a:t>
-            </a:r>
-            <a:r>
-              <a:rPr lang="en-US" dirty="0"/>
-              <a:t> can only be registered to a single source, so if a collision like this occurs it will break.</a:t>
-            </a:r>
-          </a:p>
-          <a:p>
-            <a:r>
-              <a:rPr lang="en-US" dirty="0"/>
-              <a:t>If you remove or delete an Event Source, it requires a reboot to clear the Event cache. This means that Events written during this limbo period will not be written to the proper </a:t>
-            </a:r>
-            <a:r>
-              <a:rPr lang="en-US" dirty="0" err="1"/>
-              <a:t>EventLog</a:t>
-            </a:r>
-            <a:r>
-              <a:rPr lang="en-US" dirty="0"/>
-              <a:t>. It will still be written to the one in the cache. However, this is not always the case. Oddly enough, about 10-20% of the time it is actually able to write to the </a:t>
-            </a:r>
-            <a:r>
-              <a:rPr lang="en-US" dirty="0" err="1"/>
-              <a:t>Eventlog</a:t>
-            </a:r>
-            <a:r>
-              <a:rPr lang="en-US" dirty="0"/>
-              <a:t> without a reboot. I still don’t have an explanation as to why.</a:t>
-            </a:r>
-          </a:p>
-          <a:p>
-            <a:r>
-              <a:rPr lang="en-US" dirty="0"/>
-              <a:t>I likely would have never found out about these issues without Pester. These were failing silently in rare situations in my scripts.</a:t>
-            </a:r>
-          </a:p>
-        </p:txBody>
-      </p:sp>
-    </p:spTree>
-    <p:extLst>
-      <p:ext uri="{BB962C8B-B14F-4D97-AF65-F5344CB8AC3E}">
-        <p14:creationId xmlns:p14="http://schemas.microsoft.com/office/powerpoint/2010/main" val="3898251763"/>
-      </p:ext>
-    </p:extLst>
-  </p:cSld>
-  <p:clrMapOvr>
-    <a:masterClrMapping/>
-  </p:clrMapOvr>
-</p:sld>
-</file>
-
-<file path=ppt/slides/slide24.xml><?xml version="1.0" encoding="utf-8"?>
-<p:sld xmlns:a="http://schemas.openxmlformats.org/drawingml/2006/main" xmlns:r="http://schemas.openxmlformats.org/officeDocument/2006/relationships" xmlns:p="http://schemas.openxmlformats.org/presentationml/2006/main">
-  <p:cSld>
-    <p:spTree>
-      <p:nvGrpSpPr>
-        <p:cNvPr id="1" name=""/>
-        <p:cNvGrpSpPr/>
-        <p:nvPr/>
-      </p:nvGrpSpPr>
-      <p:grpSpPr>
-        <a:xfrm>
-          <a:off x="0" y="0"/>
-          <a:ext cx="0" cy="0"/>
-          <a:chOff x="0" y="0"/>
-          <a:chExt cx="0" cy="0"/>
-        </a:xfrm>
-      </p:grpSpPr>
-      <p:sp>
-        <p:nvSpPr>
-          <p:cNvPr id="2" name="Title 1"/>
-          <p:cNvSpPr>
-            <a:spLocks noGrp="1"/>
-          </p:cNvSpPr>
-          <p:nvPr>
-            <p:ph type="title"/>
-          </p:nvPr>
-        </p:nvSpPr>
-        <p:spPr/>
-        <p:txBody>
-          <a:bodyPr/>
-          <a:lstStyle/>
-          <a:p>
-            <a:r>
-              <a:rPr lang="en-US" dirty="0">
-                <a:effectLst>
-                  <a:outerShdw blurRad="38100" dist="38100" dir="2700000" algn="tl">
-                    <a:srgbClr val="000000">
-                      <a:alpha val="43137"/>
-                    </a:srgbClr>
-                  </a:outerShdw>
-                </a:effectLst>
-              </a:rPr>
-              <a:t>The Release Pipeline</a:t>
-            </a:r>
-          </a:p>
-        </p:txBody>
-      </p:sp>
-      <p:sp>
-        <p:nvSpPr>
-          <p:cNvPr id="3" name="Content Placeholder 2"/>
-          <p:cNvSpPr>
-            <a:spLocks noGrp="1"/>
-          </p:cNvSpPr>
-          <p:nvPr>
-            <p:ph idx="1"/>
-          </p:nvPr>
-        </p:nvSpPr>
-        <p:spPr/>
-        <p:txBody>
-          <a:bodyPr>
-            <a:normAutofit/>
-          </a:bodyPr>
-          <a:lstStyle/>
-          <a:p>
-            <a:r>
-              <a:rPr lang="en-US" dirty="0"/>
-              <a:t>The Release Pipeline Model Whitepaper is by Michael Greene and Steven </a:t>
-            </a:r>
-            <a:r>
-              <a:rPr lang="en-US" dirty="0" err="1"/>
-              <a:t>Murawski</a:t>
-            </a:r>
-            <a:r>
-              <a:rPr lang="en-US" dirty="0"/>
-              <a:t>.</a:t>
-            </a:r>
-          </a:p>
-          <a:p>
-            <a:r>
-              <a:rPr lang="en-US" dirty="0"/>
-              <a:t>The idea is to have configuration as code.</a:t>
-            </a:r>
-          </a:p>
-          <a:p>
-            <a:r>
-              <a:rPr lang="en-US" dirty="0"/>
-              <a:t>To quote the Summary, </a:t>
-            </a:r>
-          </a:p>
-          <a:p>
-            <a:pPr marL="457200" lvl="1" indent="0">
-              <a:buNone/>
-            </a:pPr>
-            <a:r>
-              <a:rPr lang="en-US" i="1" dirty="0"/>
-              <a:t>	“a fully automated solution where infrastructure is managed as code and all changes 	are automatically validated before reaching production.”</a:t>
-            </a:r>
-          </a:p>
-          <a:p>
-            <a:r>
-              <a:rPr lang="en-US" dirty="0"/>
-              <a:t>Pester and Version Control are key components in the Release Pipeline.</a:t>
-            </a:r>
-          </a:p>
-          <a:p>
-            <a:r>
-              <a:rPr lang="en-US" dirty="0"/>
-              <a:t>This is a process. Start with Version Control and gradually start adding new pieces of the Release Pipeline.</a:t>
-            </a:r>
-          </a:p>
-        </p:txBody>
-      </p:sp>
-    </p:spTree>
-    <p:extLst>
-      <p:ext uri="{BB962C8B-B14F-4D97-AF65-F5344CB8AC3E}">
-        <p14:creationId xmlns:p14="http://schemas.microsoft.com/office/powerpoint/2010/main" val="771445846"/>
-      </p:ext>
-    </p:extLst>
-  </p:cSld>
-  <p:clrMapOvr>
-    <a:masterClrMapping/>
-  </p:clrMapOvr>
-</p:sld>
-</file>
-
-<file path=ppt/slides/slide25.xml><?xml version="1.0" encoding="utf-8"?>
-<p:sld xmlns:a="http://schemas.openxmlformats.org/drawingml/2006/main" xmlns:r="http://schemas.openxmlformats.org/officeDocument/2006/relationships" xmlns:p="http://schemas.openxmlformats.org/presentationml/2006/main">
-  <p:cSld>
-    <p:spTree>
-      <p:nvGrpSpPr>
-        <p:cNvPr id="1" name=""/>
-        <p:cNvGrpSpPr/>
-        <p:nvPr/>
-      </p:nvGrpSpPr>
-      <p:grpSpPr>
-        <a:xfrm>
-          <a:off x="0" y="0"/>
-          <a:ext cx="0" cy="0"/>
-          <a:chOff x="0" y="0"/>
-          <a:chExt cx="0" cy="0"/>
-        </a:xfrm>
-      </p:grpSpPr>
-      <p:sp>
-        <p:nvSpPr>
-          <p:cNvPr id="2" name="Title 1"/>
-          <p:cNvSpPr>
-            <a:spLocks noGrp="1"/>
-          </p:cNvSpPr>
-          <p:nvPr>
-            <p:ph type="title"/>
-          </p:nvPr>
-        </p:nvSpPr>
-        <p:spPr/>
-        <p:txBody>
-          <a:bodyPr/>
-          <a:lstStyle/>
-          <a:p>
-            <a:r>
-              <a:rPr lang="en-US" dirty="0">
-                <a:effectLst>
-                  <a:outerShdw blurRad="38100" dist="38100" dir="2700000" algn="tl">
-                    <a:srgbClr val="000000">
-                      <a:alpha val="43137"/>
-                    </a:srgbClr>
-                  </a:outerShdw>
-                </a:effectLst>
-              </a:rPr>
-              <a:t>Contribute</a:t>
-            </a:r>
-          </a:p>
-        </p:txBody>
-      </p:sp>
-      <p:sp>
-        <p:nvSpPr>
-          <p:cNvPr id="3" name="Content Placeholder 2"/>
-          <p:cNvSpPr>
-            <a:spLocks noGrp="1"/>
-          </p:cNvSpPr>
-          <p:nvPr>
-            <p:ph idx="1"/>
-          </p:nvPr>
-        </p:nvSpPr>
-        <p:spPr/>
-        <p:txBody>
-          <a:bodyPr/>
-          <a:lstStyle/>
-          <a:p>
-            <a:r>
-              <a:rPr lang="en-US" dirty="0"/>
-              <a:t>I have published a Repository on </a:t>
-            </a:r>
-            <a:r>
-              <a:rPr lang="en-US" dirty="0" err="1"/>
-              <a:t>Github</a:t>
-            </a:r>
-            <a:r>
-              <a:rPr lang="en-US" dirty="0"/>
-              <a:t> called </a:t>
-            </a:r>
-            <a:r>
-              <a:rPr lang="en-US" dirty="0" err="1">
-                <a:hlinkClick r:id="rId2"/>
-              </a:rPr>
-              <a:t>PipelineResouces</a:t>
-            </a:r>
-            <a:r>
-              <a:rPr lang="en-US" dirty="0"/>
-              <a:t> with shared Links, Videos, Podcasts, Blogs, and information that I found very useful.</a:t>
-            </a:r>
-          </a:p>
-          <a:p>
-            <a:r>
-              <a:rPr lang="en-US" dirty="0"/>
-              <a:t>I would love for others to contribute as well.</a:t>
-            </a:r>
-          </a:p>
-          <a:p>
-            <a:r>
-              <a:rPr lang="en-US" dirty="0"/>
-              <a:t>I am looking for ideas on how to structure the information stored in this Repo, and would love if people with ideas opened an issue with their suggestions.</a:t>
-            </a:r>
-          </a:p>
-          <a:p>
-            <a:r>
-              <a:rPr lang="en-US" dirty="0"/>
-              <a:t>As seen in the Demo, I have added a starter Pester test that just validates the URLs, but I would love to add more tests like Spellcheck and things like improper quotations.</a:t>
-            </a:r>
-          </a:p>
-        </p:txBody>
-      </p:sp>
-    </p:spTree>
-    <p:extLst>
-      <p:ext uri="{BB962C8B-B14F-4D97-AF65-F5344CB8AC3E}">
-        <p14:creationId xmlns:p14="http://schemas.microsoft.com/office/powerpoint/2010/main" val="1813010210"/>
-      </p:ext>
-    </p:extLst>
-  </p:cSld>
-  <p:clrMapOvr>
-    <a:masterClrMapping/>
-  </p:clrMapOvr>
-</p:sld>
-</file>
-
-<file path=ppt/slides/slide26.xml><?xml version="1.0" encoding="utf-8"?>
-<p:sld xmlns:a="http://schemas.openxmlformats.org/drawingml/2006/main" xmlns:r="http://schemas.openxmlformats.org/officeDocument/2006/relationships" xmlns:p="http://schemas.openxmlformats.org/presentationml/2006/main">
-  <p:cSld>
-    <p:spTree>
-      <p:nvGrpSpPr>
-        <p:cNvPr id="1" name=""/>
-        <p:cNvGrpSpPr/>
-        <p:nvPr/>
-      </p:nvGrpSpPr>
-      <p:grpSpPr>
-        <a:xfrm>
-          <a:off x="0" y="0"/>
-          <a:ext cx="0" cy="0"/>
-          <a:chOff x="0" y="0"/>
-          <a:chExt cx="0" cy="0"/>
-        </a:xfrm>
-      </p:grpSpPr>
-      <p:sp>
-        <p:nvSpPr>
-          <p:cNvPr id="2" name="Title 1"/>
-          <p:cNvSpPr>
-            <a:spLocks noGrp="1"/>
-          </p:cNvSpPr>
-          <p:nvPr>
-            <p:ph type="title"/>
-          </p:nvPr>
-        </p:nvSpPr>
-        <p:spPr/>
-        <p:txBody>
-          <a:bodyPr/>
-          <a:lstStyle/>
-          <a:p>
-            <a:r>
-              <a:rPr lang="en-US" dirty="0">
-                <a:effectLst>
-                  <a:outerShdw blurRad="38100" dist="38100" dir="2700000" algn="tl">
-                    <a:srgbClr val="000000">
-                      <a:alpha val="43137"/>
-                    </a:srgbClr>
-                  </a:outerShdw>
-                </a:effectLst>
-              </a:rPr>
-              <a:t>Resources</a:t>
-            </a:r>
-          </a:p>
-        </p:txBody>
-      </p:sp>
-      <p:sp>
-        <p:nvSpPr>
-          <p:cNvPr id="3" name="Content Placeholder 2"/>
-          <p:cNvSpPr>
-            <a:spLocks noGrp="1"/>
-          </p:cNvSpPr>
-          <p:nvPr>
-            <p:ph idx="1"/>
-          </p:nvPr>
-        </p:nvSpPr>
-        <p:spPr/>
-        <p:txBody>
-          <a:bodyPr>
-            <a:normAutofit/>
-          </a:bodyPr>
-          <a:lstStyle/>
-          <a:p>
-            <a:r>
-              <a:rPr lang="en-US" sz="2000" dirty="0"/>
-              <a:t>Github Projects</a:t>
-            </a:r>
-          </a:p>
-          <a:p>
-            <a:pPr lvl="1"/>
-            <a:r>
-              <a:rPr lang="en-US" dirty="0"/>
-              <a:t>Pester - </a:t>
-            </a:r>
-            <a:r>
-              <a:rPr lang="en-US" dirty="0">
-                <a:hlinkClick r:id="rId2"/>
-              </a:rPr>
-              <a:t>https://github.com/pester/Pester</a:t>
-            </a:r>
-            <a:endParaRPr lang="en-US" dirty="0"/>
-          </a:p>
-          <a:p>
-            <a:pPr lvl="1"/>
-            <a:r>
-              <a:rPr lang="en-US" dirty="0"/>
-              <a:t>June Blender’s </a:t>
-            </a:r>
-            <a:r>
-              <a:rPr lang="en-US" dirty="0" err="1"/>
-              <a:t>PesterTDD</a:t>
-            </a:r>
-            <a:r>
-              <a:rPr lang="en-US" dirty="0"/>
-              <a:t> - </a:t>
-            </a:r>
-            <a:r>
-              <a:rPr lang="en-US" dirty="0">
-                <a:hlinkClick r:id="rId3"/>
-              </a:rPr>
-              <a:t>https://github.com/juneb/PesterTDD</a:t>
-            </a:r>
-            <a:endParaRPr lang="en-US" dirty="0"/>
-          </a:p>
-          <a:p>
-            <a:pPr lvl="1"/>
-            <a:r>
-              <a:rPr lang="en-US" dirty="0"/>
-              <a:t>PowerShell Operational Validation Framework - </a:t>
-            </a:r>
-            <a:r>
-              <a:rPr lang="en-US" dirty="0">
-                <a:hlinkClick r:id="rId4"/>
-              </a:rPr>
-              <a:t>https://github.com/PowerShell/Operation-Validation-Framework</a:t>
-            </a:r>
-            <a:endParaRPr lang="en-US" dirty="0"/>
-          </a:p>
-          <a:p>
-            <a:pPr lvl="1"/>
-            <a:r>
-              <a:rPr lang="en-US" dirty="0"/>
-              <a:t>Kevin Marquette’s – </a:t>
-            </a:r>
-            <a:r>
-              <a:rPr lang="en-US" dirty="0" err="1"/>
-              <a:t>PesterInAction</a:t>
-            </a:r>
-            <a:r>
-              <a:rPr lang="en-US" dirty="0"/>
-              <a:t> - </a:t>
-            </a:r>
-            <a:r>
-              <a:rPr lang="en-US" dirty="0">
-                <a:hlinkClick r:id="rId5"/>
-              </a:rPr>
-              <a:t>https://github.com/KevinMarquette/PesterInAction</a:t>
-            </a:r>
-            <a:endParaRPr lang="en-US" dirty="0"/>
-          </a:p>
-          <a:p>
-            <a:pPr lvl="1"/>
-            <a:r>
-              <a:rPr lang="en-US" dirty="0" err="1"/>
-              <a:t>DoesItScript’s</a:t>
-            </a:r>
-            <a:r>
-              <a:rPr lang="en-US" dirty="0"/>
-              <a:t> - </a:t>
-            </a:r>
-            <a:r>
-              <a:rPr lang="en-US" dirty="0" err="1"/>
-              <a:t>PesterDashboard</a:t>
-            </a:r>
-            <a:r>
-              <a:rPr lang="en-US" dirty="0"/>
-              <a:t> - </a:t>
-            </a:r>
-            <a:r>
-              <a:rPr lang="en-US" dirty="0">
-                <a:hlinkClick r:id="rId6"/>
-              </a:rPr>
-              <a:t>https://github.com/doesitscript/PSPesterDashboardKickstarter</a:t>
-            </a:r>
-            <a:endParaRPr lang="en-US" dirty="0"/>
-          </a:p>
-          <a:p>
-            <a:pPr lvl="1"/>
-            <a:r>
-              <a:rPr lang="en-US" dirty="0"/>
-              <a:t>Dave Wyatt - Examples - </a:t>
-            </a:r>
-            <a:r>
-              <a:rPr lang="en-US" dirty="0">
-                <a:hlinkClick r:id="rId7"/>
-              </a:rPr>
-              <a:t>https://github.com/dlwyatt</a:t>
-            </a:r>
-            <a:endParaRPr lang="en-US" dirty="0"/>
-          </a:p>
-          <a:p>
-            <a:pPr lvl="1"/>
-            <a:r>
-              <a:rPr lang="en-US" dirty="0" err="1"/>
-              <a:t>Microsoft.PowerShell.Archive</a:t>
-            </a:r>
-            <a:r>
-              <a:rPr lang="en-US" dirty="0"/>
-              <a:t> - Examples - </a:t>
-            </a:r>
-            <a:r>
-              <a:rPr lang="en-US" dirty="0">
-                <a:hlinkClick r:id="rId8"/>
-              </a:rPr>
-              <a:t>https://github.com/PowerShell/Microsoft.PowerShell.Archive</a:t>
-            </a:r>
-            <a:endParaRPr lang="en-US" dirty="0"/>
-          </a:p>
-          <a:p>
-            <a:pPr lvl="1"/>
-            <a:r>
-              <a:rPr lang="en-US" dirty="0"/>
-              <a:t>PowerShell </a:t>
-            </a:r>
-            <a:r>
-              <a:rPr lang="en-US" dirty="0" err="1"/>
-              <a:t>DscResources.Tests</a:t>
-            </a:r>
-            <a:r>
-              <a:rPr lang="en-US" dirty="0"/>
-              <a:t> - Examples - </a:t>
-            </a:r>
-            <a:r>
-              <a:rPr lang="en-US" dirty="0">
-                <a:hlinkClick r:id="rId9"/>
-              </a:rPr>
-              <a:t>https://github.com/PowerShell/DscResource.Tests</a:t>
-            </a:r>
-            <a:endParaRPr lang="en-US" dirty="0"/>
-          </a:p>
-          <a:p>
-            <a:pPr lvl="1"/>
-            <a:r>
-              <a:rPr lang="en-US" dirty="0"/>
-              <a:t>Microsoft PowerShell Tests - Examples - </a:t>
-            </a:r>
-            <a:r>
-              <a:rPr lang="en-US" dirty="0">
-                <a:hlinkClick r:id="rId10"/>
-              </a:rPr>
-              <a:t>https://github.com/PowerShell/PowerShell-Tests</a:t>
-            </a:r>
-            <a:endParaRPr lang="en-US" dirty="0"/>
-          </a:p>
-        </p:txBody>
-      </p:sp>
-    </p:spTree>
-    <p:extLst>
-      <p:ext uri="{BB962C8B-B14F-4D97-AF65-F5344CB8AC3E}">
-        <p14:creationId xmlns:p14="http://schemas.microsoft.com/office/powerpoint/2010/main" val="2288529810"/>
-      </p:ext>
-    </p:extLst>
-  </p:cSld>
-  <p:clrMapOvr>
-    <a:masterClrMapping/>
-  </p:clrMapOvr>
+  <p:timing>
+    <p:tnLst>
+      <p:par>
+        <p:cTn id="1" dur="indefinite" restart="never" nodeType="tmRoot"/>
+      </p:par>
+    </p:tnLst>
+  </p:timing>
 </p:sld>
 </file>
 
@@ -8532,8 +8809,9 @@
                   </a:outerShdw>
                 </a:effectLst>
               </a:rPr>
-              <a:t>Resources</a:t>
-            </a:r>
+              <a:t>Immediate Wins</a:t>
+            </a:r>
+            <a:endParaRPr lang="en-US" dirty="0"/>
           </a:p>
         </p:txBody>
       </p:sp>
@@ -8547,172 +8825,139 @@
             <p:ph idx="1"/>
           </p:nvPr>
         </p:nvSpPr>
-        <p:spPr/>
+        <p:spPr>
+          <a:xfrm>
+            <a:off x="818712" y="2222287"/>
+            <a:ext cx="10554574" cy="4168239"/>
+          </a:xfrm>
+        </p:spPr>
         <p:txBody>
           <a:bodyPr>
-            <a:normAutofit/>
+            <a:normAutofit fontScale="92500" lnSpcReduction="20000"/>
           </a:bodyPr>
           <a:lstStyle/>
           <a:p>
             <a:r>
-              <a:rPr lang="en-US" sz="2000" dirty="0"/>
-              <a:t>Twitter</a:t>
-            </a:r>
-          </a:p>
-          <a:p>
-            <a:pPr lvl="1"/>
-            <a:r>
-              <a:rPr lang="en-US" dirty="0"/>
-              <a:t>Dave Wyatt - </a:t>
-            </a:r>
-            <a:r>
-              <a:rPr lang="en-US" dirty="0">
-                <a:hlinkClick r:id="rId2"/>
-              </a:rPr>
-              <a:t>https://twitter.com/MSH_Dave</a:t>
-            </a:r>
-            <a:endParaRPr lang="en-US" dirty="0"/>
-          </a:p>
-          <a:p>
-            <a:pPr lvl="1"/>
-            <a:r>
-              <a:rPr lang="en-US" dirty="0"/>
-              <a:t>June Blender - </a:t>
-            </a:r>
-            <a:r>
-              <a:rPr lang="en-US" dirty="0">
-                <a:hlinkClick r:id="rId3"/>
-              </a:rPr>
-              <a:t>https://twitter.com/juneb_get_help</a:t>
-            </a:r>
-            <a:endParaRPr lang="en-US" dirty="0"/>
-          </a:p>
-          <a:p>
-            <a:pPr lvl="1"/>
-            <a:r>
-              <a:rPr lang="en-US" dirty="0"/>
-              <a:t>Mike Robbins - </a:t>
-            </a:r>
-            <a:r>
-              <a:rPr lang="en-US" dirty="0">
-                <a:hlinkClick r:id="rId4"/>
-              </a:rPr>
-              <a:t>https://twitter.com/mikefrobbins</a:t>
-            </a:r>
-            <a:endParaRPr lang="en-US" dirty="0"/>
-          </a:p>
-          <a:p>
-            <a:pPr lvl="1"/>
-            <a:r>
-              <a:rPr lang="en-US" dirty="0"/>
-              <a:t>Jakub </a:t>
+              <a:rPr lang="en-US" dirty="0"/>
+              <a:t>Built in Cmdlets don’t always function the way we think or expect.</a:t>
+            </a:r>
+          </a:p>
+          <a:p>
+            <a:r>
+              <a:rPr lang="en-US" dirty="0"/>
+              <a:t>An example I encountered was </a:t>
             </a:r>
             <a:r>
               <a:rPr lang="en-US" dirty="0" err="1"/>
-              <a:t>Jares</a:t>
-            </a:r>
-            <a:r>
-              <a:rPr lang="en-US" dirty="0"/>
-              <a:t> - </a:t>
-            </a:r>
-            <a:r>
-              <a:rPr lang="en-US" dirty="0">
-                <a:hlinkClick r:id="rId5"/>
-              </a:rPr>
-              <a:t>https://twitter.com/nohwnd</a:t>
-            </a:r>
-            <a:endParaRPr lang="en-US" dirty="0"/>
-          </a:p>
-          <a:p>
-            <a:pPr lvl="1"/>
+              <a:t>Eventlogs</a:t>
+            </a:r>
+            <a:r>
+              <a:rPr lang="en-US" dirty="0"/>
+              <a:t>. Get-</a:t>
+            </a:r>
             <a:r>
               <a:rPr lang="en-US" dirty="0" err="1"/>
-              <a:t>PSPester</a:t>
-            </a:r>
-            <a:r>
-              <a:rPr lang="en-US" dirty="0"/>
-              <a:t> - </a:t>
-            </a:r>
-            <a:r>
-              <a:rPr lang="en-US" dirty="0">
-                <a:hlinkClick r:id="rId6"/>
-              </a:rPr>
-              <a:t>https://twitter.com/pspester</a:t>
-            </a:r>
-            <a:endParaRPr lang="en-US" dirty="0"/>
-          </a:p>
-          <a:p>
-            <a:r>
-              <a:rPr lang="en-US" dirty="0"/>
-              <a:t>Pester Editor Integration</a:t>
-            </a:r>
-          </a:p>
-          <a:p>
-            <a:pPr lvl="1"/>
+              <a:t>Eventlog</a:t>
+            </a:r>
+            <a:r>
+              <a:rPr lang="en-US" dirty="0"/>
+              <a:t>, New-</a:t>
+            </a:r>
             <a:r>
               <a:rPr lang="en-US" dirty="0" err="1"/>
-              <a:t>ISESteroids</a:t>
-            </a:r>
-            <a:r>
-              <a:rPr lang="en-US" dirty="0"/>
-              <a:t> Pester Walkthrough - </a:t>
-            </a:r>
-            <a:r>
-              <a:rPr lang="en-US" dirty="0">
-                <a:hlinkClick r:id="rId7"/>
-              </a:rPr>
-              <a:t>http://www.powertheshell.com/pester-integration/</a:t>
-            </a:r>
-            <a:endParaRPr lang="en-US" dirty="0"/>
-          </a:p>
-          <a:p>
-            <a:pPr lvl="1"/>
-            <a:r>
-              <a:rPr lang="en-US" dirty="0"/>
-              <a:t>VS Code Task Runner Docs - </a:t>
-            </a:r>
-            <a:r>
-              <a:rPr lang="en-US" dirty="0">
-                <a:hlinkClick r:id="rId8"/>
-              </a:rPr>
-              <a:t>https://code.visualstudio.com/Docs/editor/tasks</a:t>
-            </a:r>
-            <a:endParaRPr lang="en-US" dirty="0"/>
-          </a:p>
-          <a:p>
-            <a:r>
-              <a:rPr lang="en-US" dirty="0"/>
-              <a:t>Source Control</a:t>
-            </a:r>
-          </a:p>
-          <a:p>
-            <a:pPr lvl="1"/>
-            <a:r>
-              <a:rPr lang="en-US" dirty="0"/>
-              <a:t>Steven </a:t>
+              <a:t>Eventlog</a:t>
+            </a:r>
+            <a:r>
+              <a:rPr lang="en-US" dirty="0"/>
+              <a:t>, and Write-</a:t>
             </a:r>
             <a:r>
               <a:rPr lang="en-US" dirty="0" err="1"/>
-              <a:t>Murawski</a:t>
-            </a:r>
-            <a:r>
-              <a:rPr lang="en-US" dirty="0"/>
-              <a:t> - Future-proofing Your Career or Reading Tea Leaves? - </a:t>
-            </a:r>
-            <a:r>
-              <a:rPr lang="en-US" dirty="0">
-                <a:hlinkClick r:id="rId9"/>
-              </a:rPr>
-              <a:t>http://stevenmurawski.com/powershell/2014/08/future-proofing-your-career-or-reading-tea-leaves/</a:t>
-            </a:r>
-            <a:endParaRPr lang="en-US" dirty="0"/>
+              <a:t>Eventlog</a:t>
+            </a:r>
+            <a:r>
+              <a:rPr lang="en-US" dirty="0"/>
+              <a:t> can have some odd behavior. </a:t>
+            </a:r>
+          </a:p>
+          <a:p>
+            <a:r>
+              <a:rPr lang="en-US" dirty="0" err="1"/>
+              <a:t>Lognames</a:t>
+            </a:r>
+            <a:r>
+              <a:rPr lang="en-US" dirty="0"/>
+              <a:t> only respect the first 8 </a:t>
+            </a:r>
+            <a:r>
+              <a:rPr lang="en-US" dirty="0" err="1"/>
+              <a:t>charcters</a:t>
+            </a:r>
+            <a:r>
+              <a:rPr lang="en-US" dirty="0"/>
+              <a:t> of a name. A </a:t>
+            </a:r>
+            <a:r>
+              <a:rPr lang="en-US" dirty="0" err="1"/>
+              <a:t>logname</a:t>
+            </a:r>
+            <a:r>
+              <a:rPr lang="en-US" dirty="0"/>
+              <a:t> of “12345678” will interfere with a </a:t>
+            </a:r>
+            <a:r>
+              <a:rPr lang="en-US" dirty="0" err="1"/>
+              <a:t>logname</a:t>
+            </a:r>
+            <a:r>
+              <a:rPr lang="en-US" dirty="0"/>
+              <a:t> of “1234567891011”</a:t>
+            </a:r>
+          </a:p>
+          <a:p>
+            <a:r>
+              <a:rPr lang="en-US" dirty="0" err="1"/>
+              <a:t>EventLogs</a:t>
+            </a:r>
+            <a:r>
+              <a:rPr lang="en-US" dirty="0"/>
+              <a:t> can only be registered to a single source, so if a collision like this occurs it will break.</a:t>
+            </a:r>
+          </a:p>
+          <a:p>
+            <a:r>
+              <a:rPr lang="en-US" dirty="0"/>
+              <a:t>If you remove or delete an Event Source, it requires a reboot to clear the Event cache. This means that Events written during this limbo period will not be written to the proper </a:t>
+            </a:r>
+            <a:r>
+              <a:rPr lang="en-US" dirty="0" err="1"/>
+              <a:t>EventLog</a:t>
+            </a:r>
+            <a:r>
+              <a:rPr lang="en-US" dirty="0"/>
+              <a:t>. It will still be written to the one in the cache. However, this is not always the case. Oddly enough, about 10-20% of the time it is actually able to write to the </a:t>
+            </a:r>
+            <a:r>
+              <a:rPr lang="en-US" dirty="0" err="1"/>
+              <a:t>Eventlog</a:t>
+            </a:r>
+            <a:r>
+              <a:rPr lang="en-US" dirty="0"/>
+              <a:t> without a reboot. I still don’t have an explanation as to why.</a:t>
+            </a:r>
+          </a:p>
+          <a:p>
+            <a:r>
+              <a:rPr lang="en-US" dirty="0"/>
+              <a:t>I likely would have never found out about these issues without Pester. These were failing silently in rare situations in my scripts.</a:t>
+            </a:r>
           </a:p>
         </p:txBody>
       </p:sp>
     </p:spTree>
     <p:extLst>
       <p:ext uri="{BB962C8B-B14F-4D97-AF65-F5344CB8AC3E}">
-        <p14:creationId xmlns:p14="http://schemas.microsoft.com/office/powerpoint/2010/main" val="2507035189"/>
+        <p14:creationId xmlns:p14="http://schemas.microsoft.com/office/powerpoint/2010/main" val="3898251763"/>
       </p:ext>
     </p:extLst>
   </p:cSld>
@@ -8764,7 +9009,7 @@
                   </a:outerShdw>
                 </a:effectLst>
               </a:rPr>
-              <a:t>Resources</a:t>
+              <a:t>The Release Pipeline</a:t>
             </a:r>
           </a:p>
         </p:txBody>
@@ -8782,161 +9027,75 @@
         <p:spPr/>
         <p:txBody>
           <a:bodyPr>
-            <a:normAutofit fontScale="92500" lnSpcReduction="20000"/>
+            <a:normAutofit/>
           </a:bodyPr>
           <a:lstStyle/>
           <a:p>
             <a:r>
-              <a:rPr lang="en-US" sz="2000" dirty="0"/>
-              <a:t>Operational Validation</a:t>
-            </a:r>
-          </a:p>
-          <a:p>
-            <a:pPr lvl="1"/>
-            <a:r>
-              <a:rPr lang="en-US" dirty="0"/>
-              <a:t>Operational Validation – Active Directory, Must Read - </a:t>
-            </a:r>
-            <a:r>
-              <a:rPr lang="en-US" dirty="0">
-                <a:hlinkClick r:id="rId2"/>
-              </a:rPr>
-              <a:t>https://pshirwin.wordpress.com/2016/04/08/active-directory-operations-test/</a:t>
-            </a:r>
-            <a:endParaRPr lang="en-US" dirty="0"/>
-          </a:p>
-          <a:p>
-            <a:pPr lvl="1"/>
-            <a:r>
-              <a:rPr lang="en-US" dirty="0"/>
-              <a:t>Operational Validation – NIC Settings - </a:t>
-            </a:r>
-            <a:r>
-              <a:rPr lang="en-US" dirty="0">
-                <a:hlinkClick r:id="rId3"/>
-              </a:rPr>
-              <a:t>https://gabrielrojas.nyc/2015/12/28/using-pester-to-test-nic-settings/</a:t>
-            </a:r>
-            <a:endParaRPr lang="en-US" dirty="0"/>
-          </a:p>
-          <a:p>
-            <a:pPr lvl="1"/>
-            <a:r>
-              <a:rPr lang="en-US" dirty="0"/>
-              <a:t>Operational Validation – System - </a:t>
-            </a:r>
-            <a:r>
-              <a:rPr lang="en-US" dirty="0">
-                <a:hlinkClick r:id="rId4"/>
-              </a:rPr>
-              <a:t>http://mikefrobbins.com/2015/11/12/powershell-using-pester-tests-and-the-operation-validation-framework-to-verify-a-system-is-operational/</a:t>
-            </a:r>
-            <a:endParaRPr lang="en-US" dirty="0"/>
-          </a:p>
-          <a:p>
-            <a:pPr lvl="1"/>
-            <a:r>
-              <a:rPr lang="en-US" dirty="0"/>
-              <a:t>Operational Validation with Slack - </a:t>
-            </a:r>
-            <a:r>
-              <a:rPr lang="en-US" dirty="0">
-                <a:hlinkClick r:id="rId5"/>
-              </a:rPr>
-              <a:t>https://flynnbundy.com/2016/04/24/operations-validation-framework-and-slack/</a:t>
-            </a:r>
-            <a:endParaRPr lang="en-US" dirty="0"/>
-          </a:p>
-          <a:p>
-            <a:pPr lvl="1"/>
-            <a:r>
-              <a:rPr lang="en-US" dirty="0"/>
-              <a:t>Operational Validation </a:t>
+              <a:rPr lang="en-US" dirty="0"/>
+              <a:t>The Release Pipeline Model Whitepaper is by Michael Greene and Steven </a:t>
             </a:r>
             <a:r>
               <a:rPr lang="en-US" dirty="0" err="1"/>
-              <a:t>Gotchas</a:t>
-            </a:r>
-            <a:r>
-              <a:rPr lang="en-US" dirty="0"/>
-              <a:t> - </a:t>
-            </a:r>
-            <a:r>
-              <a:rPr lang="en-US" dirty="0">
-                <a:hlinkClick r:id="rId6"/>
-              </a:rPr>
-              <a:t>https://pshirwin.wordpress.com/2016/04/29/operational-readiness-validation-gotchas/</a:t>
-            </a:r>
-            <a:endParaRPr lang="en-US" dirty="0"/>
-          </a:p>
-          <a:p>
-            <a:r>
-              <a:rPr lang="en-US" sz="2000" dirty="0"/>
-              <a:t>Videos</a:t>
-            </a:r>
-          </a:p>
-          <a:p>
-            <a:pPr lvl="1"/>
-            <a:r>
-              <a:rPr lang="en-US" dirty="0"/>
-              <a:t>June Blender – TDD with Pester - </a:t>
-            </a:r>
-            <a:r>
-              <a:rPr lang="en-US" dirty="0" err="1"/>
-              <a:t>PSHSummit</a:t>
-            </a:r>
-            <a:r>
-              <a:rPr lang="en-US" dirty="0"/>
-              <a:t> - </a:t>
-            </a:r>
-            <a:r>
-              <a:rPr lang="en-US" dirty="0">
-                <a:hlinkClick r:id="rId7"/>
-              </a:rPr>
-              <a:t>https://www.youtube.com/watch?time_continue=1&amp;v=jvvh9cpD_LM</a:t>
-            </a:r>
-            <a:endParaRPr lang="en-US" dirty="0"/>
-          </a:p>
-          <a:p>
-            <a:pPr lvl="1"/>
-            <a:r>
-              <a:rPr lang="en-US" dirty="0"/>
-              <a:t>VS Code Pester Task Runner - </a:t>
-            </a:r>
-            <a:r>
-              <a:rPr lang="en-US" dirty="0">
-                <a:hlinkClick r:id="rId8"/>
-              </a:rPr>
-              <a:t>https://channel9.msdn.com/Blogs/cloud-with-a-silver-lining/Visual-Studio-Code-Task-Runners</a:t>
-            </a:r>
-            <a:endParaRPr lang="en-US" dirty="0"/>
-          </a:p>
-          <a:p>
-            <a:pPr lvl="1"/>
-            <a:r>
-              <a:rPr lang="en-US" dirty="0"/>
-              <a:t>Release Pipeline - </a:t>
-            </a:r>
-            <a:r>
-              <a:rPr lang="en-US" dirty="0">
-                <a:hlinkClick r:id="rId9"/>
-              </a:rPr>
-              <a:t>https://www.youtube.com/watch?v=bRd0XiMIRMs</a:t>
-            </a:r>
-            <a:endParaRPr lang="en-US" dirty="0"/>
+              <a:t>Murawski</a:t>
+            </a:r>
+            <a:r>
+              <a:rPr lang="en-US" dirty="0"/>
+              <a:t>.</a:t>
+            </a:r>
+          </a:p>
+          <a:p>
+            <a:r>
+              <a:rPr lang="en-US" dirty="0"/>
+              <a:t>The idea is to have configuration as code.</a:t>
+            </a:r>
+          </a:p>
+          <a:p>
+            <a:r>
+              <a:rPr lang="en-US" dirty="0"/>
+              <a:t>To quote the Summary, </a:t>
+            </a:r>
+          </a:p>
+          <a:p>
+            <a:pPr marL="457200" lvl="1" indent="0">
+              <a:buNone/>
+            </a:pPr>
+            <a:r>
+              <a:rPr lang="en-US" i="1" dirty="0"/>
+              <a:t>	“a fully automated solution where infrastructure is managed as code and all changes 	are automatically validated before reaching production.”</a:t>
+            </a:r>
+          </a:p>
+          <a:p>
+            <a:r>
+              <a:rPr lang="en-US" dirty="0"/>
+              <a:t>Pester and Version Control are key components in the Release Pipeline.</a:t>
+            </a:r>
+          </a:p>
+          <a:p>
+            <a:r>
+              <a:rPr lang="en-US" dirty="0"/>
+              <a:t>This is a process. Start with Version Control and gradually start adding new pieces of the Release Pipeline.</a:t>
+            </a:r>
           </a:p>
         </p:txBody>
       </p:sp>
     </p:spTree>
     <p:extLst>
       <p:ext uri="{BB962C8B-B14F-4D97-AF65-F5344CB8AC3E}">
-        <p14:creationId xmlns:p14="http://schemas.microsoft.com/office/powerpoint/2010/main" val="3045182652"/>
+        <p14:creationId xmlns:p14="http://schemas.microsoft.com/office/powerpoint/2010/main" val="771445846"/>
       </p:ext>
     </p:extLst>
   </p:cSld>
   <p:clrMapOvr>
     <a:masterClrMapping/>
   </p:clrMapOvr>
+  <p:timing>
+    <p:tnLst>
+      <p:par>
+        <p:cTn id="1" dur="indefinite" restart="never" nodeType="tmRoot"/>
+      </p:par>
+    </p:tnLst>
+  </p:timing>
 </p:sld>
 </file>
 
@@ -8982,7 +9141,7 @@
                   </a:outerShdw>
                 </a:effectLst>
               </a:rPr>
-              <a:t>Resources</a:t>
+              <a:t>Contribute</a:t>
             </a:r>
           </a:p>
         </p:txBody>
@@ -9004,73 +9163,51 @@
           <a:p>
             <a:r>
               <a:rPr lang="en-US" dirty="0"/>
-              <a:t>Release Pipeline</a:t>
-            </a:r>
-          </a:p>
-          <a:p>
-            <a:pPr lvl="1"/>
+              <a:t>I have published a Repository on </a:t>
+            </a:r>
             <a:r>
               <a:rPr lang="en-US" dirty="0" err="1"/>
-              <a:t>RunasRadio</a:t>
-            </a:r>
-            <a:r>
-              <a:rPr lang="en-US" dirty="0"/>
-              <a:t> Podcast - The Infrastructure Release Pipeline with Steve </a:t>
-            </a:r>
-            <a:r>
-              <a:rPr lang="en-US" dirty="0" err="1"/>
-              <a:t>Murawski</a:t>
-            </a:r>
-            <a:r>
-              <a:rPr lang="en-US" dirty="0"/>
-              <a:t> and Michael Greene - </a:t>
-            </a:r>
-            <a:r>
-              <a:rPr lang="en-US" dirty="0">
+              <a:t>Github</a:t>
+            </a:r>
+            <a:r>
+              <a:rPr lang="en-US" dirty="0"/>
+              <a:t> called </a:t>
+            </a:r>
+            <a:r>
+              <a:rPr lang="en-US" dirty="0" err="1">
                 <a:hlinkClick r:id="rId2"/>
               </a:rPr>
-              <a:t>http://runasradio.com/Shows/Show/469</a:t>
-            </a:r>
-            <a:endParaRPr lang="en-US" dirty="0"/>
-          </a:p>
-          <a:p>
-            <a:pPr lvl="1"/>
-            <a:r>
-              <a:rPr lang="en-US" dirty="0"/>
-              <a:t>Release Pipeline Whitepaper - </a:t>
-            </a:r>
-            <a:r>
-              <a:rPr lang="en-US" dirty="0">
-                <a:hlinkClick r:id="rId3"/>
-              </a:rPr>
-              <a:t>http://aka.ms/thereleasepipelinemodel</a:t>
-            </a:r>
-            <a:endParaRPr lang="en-US" dirty="0"/>
-          </a:p>
-          <a:p>
-            <a:pPr lvl="1"/>
-            <a:endParaRPr lang="en-US" dirty="0"/>
-          </a:p>
-          <a:p>
-            <a:pPr lvl="1"/>
-            <a:endParaRPr lang="en-US" dirty="0"/>
-          </a:p>
-          <a:p>
-            <a:pPr lvl="1"/>
-            <a:endParaRPr lang="en-US" dirty="0"/>
-          </a:p>
-          <a:p>
-            <a:pPr marL="457200" lvl="1" indent="0">
-              <a:buNone/>
-            </a:pPr>
-            <a:endParaRPr lang="en-US" dirty="0"/>
+              <a:t>PipelineResouces</a:t>
+            </a:r>
+            <a:r>
+              <a:rPr lang="en-US" dirty="0"/>
+              <a:t> with shared Links, Videos, Podcasts, Blogs, and information that I found very useful.</a:t>
+            </a:r>
+          </a:p>
+          <a:p>
+            <a:r>
+              <a:rPr lang="en-US" dirty="0"/>
+              <a:t>I would love for others to contribute as well.</a:t>
+            </a:r>
+          </a:p>
+          <a:p>
+            <a:r>
+              <a:rPr lang="en-US" dirty="0"/>
+              <a:t>I am looking for ideas on how to structure the information stored in this Repo, and would love if people with ideas opened an issue with their suggestions.</a:t>
+            </a:r>
+          </a:p>
+          <a:p>
+            <a:r>
+              <a:rPr lang="en-US" dirty="0"/>
+              <a:t>As seen in the Demo, I have added a starter Pester test that just validates the URLs, but I would love to add more tests like Spellcheck and things like improper quotations.</a:t>
+            </a:r>
           </a:p>
         </p:txBody>
       </p:sp>
     </p:spTree>
     <p:extLst>
       <p:ext uri="{BB962C8B-B14F-4D97-AF65-F5344CB8AC3E}">
-        <p14:creationId xmlns:p14="http://schemas.microsoft.com/office/powerpoint/2010/main" val="2445622444"/>
+        <p14:creationId xmlns:p14="http://schemas.microsoft.com/office/powerpoint/2010/main" val="1813010210"/>
       </p:ext>
     </p:extLst>
   </p:cSld>
@@ -9194,6 +9331,853 @@
   <p:clrMapOvr>
     <a:masterClrMapping/>
   </p:clrMapOvr>
+</p:sld>
+</file>
+
+<file path=ppt/slides/slide30.xml><?xml version="1.0" encoding="utf-8"?>
+<p:sld xmlns:a="http://schemas.openxmlformats.org/drawingml/2006/main" xmlns:r="http://schemas.openxmlformats.org/officeDocument/2006/relationships" xmlns:p="http://schemas.openxmlformats.org/presentationml/2006/main">
+  <p:cSld>
+    <p:spTree>
+      <p:nvGrpSpPr>
+        <p:cNvPr id="1" name=""/>
+        <p:cNvGrpSpPr/>
+        <p:nvPr/>
+      </p:nvGrpSpPr>
+      <p:grpSpPr>
+        <a:xfrm>
+          <a:off x="0" y="0"/>
+          <a:ext cx="0" cy="0"/>
+          <a:chOff x="0" y="0"/>
+          <a:chExt cx="0" cy="0"/>
+        </a:xfrm>
+      </p:grpSpPr>
+      <p:sp>
+        <p:nvSpPr>
+          <p:cNvPr id="2" name="Title 1"/>
+          <p:cNvSpPr>
+            <a:spLocks noGrp="1"/>
+          </p:cNvSpPr>
+          <p:nvPr>
+            <p:ph type="title"/>
+          </p:nvPr>
+        </p:nvSpPr>
+        <p:spPr/>
+        <p:txBody>
+          <a:bodyPr/>
+          <a:lstStyle/>
+          <a:p>
+            <a:r>
+              <a:rPr lang="en-US" dirty="0">
+                <a:effectLst>
+                  <a:outerShdw blurRad="38100" dist="38100" dir="2700000" algn="tl">
+                    <a:srgbClr val="000000">
+                      <a:alpha val="43137"/>
+                    </a:srgbClr>
+                  </a:outerShdw>
+                </a:effectLst>
+              </a:rPr>
+              <a:t>Resources</a:t>
+            </a:r>
+          </a:p>
+        </p:txBody>
+      </p:sp>
+      <p:sp>
+        <p:nvSpPr>
+          <p:cNvPr id="3" name="Content Placeholder 2"/>
+          <p:cNvSpPr>
+            <a:spLocks noGrp="1"/>
+          </p:cNvSpPr>
+          <p:nvPr>
+            <p:ph idx="1"/>
+          </p:nvPr>
+        </p:nvSpPr>
+        <p:spPr/>
+        <p:txBody>
+          <a:bodyPr>
+            <a:normAutofit/>
+          </a:bodyPr>
+          <a:lstStyle/>
+          <a:p>
+            <a:r>
+              <a:rPr lang="en-US" sz="2000" dirty="0"/>
+              <a:t>Github Projects</a:t>
+            </a:r>
+          </a:p>
+          <a:p>
+            <a:pPr lvl="1"/>
+            <a:r>
+              <a:rPr lang="en-US" dirty="0"/>
+              <a:t>Pester - </a:t>
+            </a:r>
+            <a:r>
+              <a:rPr lang="en-US" dirty="0">
+                <a:hlinkClick r:id="rId2"/>
+              </a:rPr>
+              <a:t>https://github.com/pester/Pester</a:t>
+            </a:r>
+            <a:endParaRPr lang="en-US" dirty="0"/>
+          </a:p>
+          <a:p>
+            <a:pPr lvl="1"/>
+            <a:r>
+              <a:rPr lang="en-US" dirty="0"/>
+              <a:t>June Blender’s </a:t>
+            </a:r>
+            <a:r>
+              <a:rPr lang="en-US" dirty="0" err="1"/>
+              <a:t>PesterTDD</a:t>
+            </a:r>
+            <a:r>
+              <a:rPr lang="en-US" dirty="0"/>
+              <a:t> - </a:t>
+            </a:r>
+            <a:r>
+              <a:rPr lang="en-US" dirty="0">
+                <a:hlinkClick r:id="rId3"/>
+              </a:rPr>
+              <a:t>https://github.com/juneb/PesterTDD</a:t>
+            </a:r>
+            <a:endParaRPr lang="en-US" dirty="0"/>
+          </a:p>
+          <a:p>
+            <a:pPr lvl="1"/>
+            <a:r>
+              <a:rPr lang="en-US" dirty="0"/>
+              <a:t>PowerShell Operational Validation Framework - </a:t>
+            </a:r>
+            <a:r>
+              <a:rPr lang="en-US" dirty="0">
+                <a:hlinkClick r:id="rId4"/>
+              </a:rPr>
+              <a:t>https://github.com/PowerShell/Operation-Validation-Framework</a:t>
+            </a:r>
+            <a:endParaRPr lang="en-US" dirty="0"/>
+          </a:p>
+          <a:p>
+            <a:pPr lvl="1"/>
+            <a:r>
+              <a:rPr lang="en-US" dirty="0"/>
+              <a:t>Kevin Marquette’s – </a:t>
+            </a:r>
+            <a:r>
+              <a:rPr lang="en-US" dirty="0" err="1"/>
+              <a:t>PesterInAction</a:t>
+            </a:r>
+            <a:r>
+              <a:rPr lang="en-US" dirty="0"/>
+              <a:t> - </a:t>
+            </a:r>
+            <a:r>
+              <a:rPr lang="en-US" dirty="0">
+                <a:hlinkClick r:id="rId5"/>
+              </a:rPr>
+              <a:t>https://github.com/KevinMarquette/PesterInAction</a:t>
+            </a:r>
+            <a:endParaRPr lang="en-US" dirty="0"/>
+          </a:p>
+          <a:p>
+            <a:pPr lvl="1"/>
+            <a:r>
+              <a:rPr lang="en-US" dirty="0" err="1"/>
+              <a:t>DoesItScript’s</a:t>
+            </a:r>
+            <a:r>
+              <a:rPr lang="en-US" dirty="0"/>
+              <a:t> - </a:t>
+            </a:r>
+            <a:r>
+              <a:rPr lang="en-US" dirty="0" err="1"/>
+              <a:t>PesterDashboard</a:t>
+            </a:r>
+            <a:r>
+              <a:rPr lang="en-US" dirty="0"/>
+              <a:t> - </a:t>
+            </a:r>
+            <a:r>
+              <a:rPr lang="en-US" dirty="0">
+                <a:hlinkClick r:id="rId6"/>
+              </a:rPr>
+              <a:t>https://github.com/doesitscript/PSPesterDashboardKickstarter</a:t>
+            </a:r>
+            <a:endParaRPr lang="en-US" dirty="0"/>
+          </a:p>
+          <a:p>
+            <a:pPr lvl="1"/>
+            <a:r>
+              <a:rPr lang="en-US" dirty="0"/>
+              <a:t>Dave Wyatt - Examples - </a:t>
+            </a:r>
+            <a:r>
+              <a:rPr lang="en-US" dirty="0">
+                <a:hlinkClick r:id="rId7"/>
+              </a:rPr>
+              <a:t>https://github.com/dlwyatt</a:t>
+            </a:r>
+            <a:endParaRPr lang="en-US" dirty="0"/>
+          </a:p>
+          <a:p>
+            <a:pPr lvl="1"/>
+            <a:r>
+              <a:rPr lang="en-US" dirty="0" err="1"/>
+              <a:t>Microsoft.PowerShell.Archive</a:t>
+            </a:r>
+            <a:r>
+              <a:rPr lang="en-US" dirty="0"/>
+              <a:t> - Examples - </a:t>
+            </a:r>
+            <a:r>
+              <a:rPr lang="en-US" dirty="0">
+                <a:hlinkClick r:id="rId8"/>
+              </a:rPr>
+              <a:t>https://github.com/PowerShell/Microsoft.PowerShell.Archive</a:t>
+            </a:r>
+            <a:endParaRPr lang="en-US" dirty="0"/>
+          </a:p>
+          <a:p>
+            <a:pPr lvl="1"/>
+            <a:r>
+              <a:rPr lang="en-US" dirty="0"/>
+              <a:t>PowerShell </a:t>
+            </a:r>
+            <a:r>
+              <a:rPr lang="en-US" dirty="0" err="1"/>
+              <a:t>DscResources.Tests</a:t>
+            </a:r>
+            <a:r>
+              <a:rPr lang="en-US" dirty="0"/>
+              <a:t> - Examples - </a:t>
+            </a:r>
+            <a:r>
+              <a:rPr lang="en-US" dirty="0">
+                <a:hlinkClick r:id="rId9"/>
+              </a:rPr>
+              <a:t>https://github.com/PowerShell/DscResource.Tests</a:t>
+            </a:r>
+            <a:endParaRPr lang="en-US" dirty="0"/>
+          </a:p>
+          <a:p>
+            <a:pPr lvl="1"/>
+            <a:r>
+              <a:rPr lang="en-US" dirty="0"/>
+              <a:t>Microsoft PowerShell Tests - Examples - </a:t>
+            </a:r>
+            <a:r>
+              <a:rPr lang="en-US" dirty="0">
+                <a:hlinkClick r:id="rId10"/>
+              </a:rPr>
+              <a:t>https://github.com/PowerShell/PowerShell-Tests</a:t>
+            </a:r>
+            <a:endParaRPr lang="en-US" dirty="0"/>
+          </a:p>
+        </p:txBody>
+      </p:sp>
+    </p:spTree>
+    <p:extLst>
+      <p:ext uri="{BB962C8B-B14F-4D97-AF65-F5344CB8AC3E}">
+        <p14:creationId xmlns:p14="http://schemas.microsoft.com/office/powerpoint/2010/main" val="2288529810"/>
+      </p:ext>
+    </p:extLst>
+  </p:cSld>
+  <p:clrMapOvr>
+    <a:masterClrMapping/>
+  </p:clrMapOvr>
+</p:sld>
+</file>
+
+<file path=ppt/slides/slide31.xml><?xml version="1.0" encoding="utf-8"?>
+<p:sld xmlns:a="http://schemas.openxmlformats.org/drawingml/2006/main" xmlns:r="http://schemas.openxmlformats.org/officeDocument/2006/relationships" xmlns:p="http://schemas.openxmlformats.org/presentationml/2006/main">
+  <p:cSld>
+    <p:spTree>
+      <p:nvGrpSpPr>
+        <p:cNvPr id="1" name=""/>
+        <p:cNvGrpSpPr/>
+        <p:nvPr/>
+      </p:nvGrpSpPr>
+      <p:grpSpPr>
+        <a:xfrm>
+          <a:off x="0" y="0"/>
+          <a:ext cx="0" cy="0"/>
+          <a:chOff x="0" y="0"/>
+          <a:chExt cx="0" cy="0"/>
+        </a:xfrm>
+      </p:grpSpPr>
+      <p:sp>
+        <p:nvSpPr>
+          <p:cNvPr id="2" name="Title 1"/>
+          <p:cNvSpPr>
+            <a:spLocks noGrp="1"/>
+          </p:cNvSpPr>
+          <p:nvPr>
+            <p:ph type="title"/>
+          </p:nvPr>
+        </p:nvSpPr>
+        <p:spPr/>
+        <p:txBody>
+          <a:bodyPr/>
+          <a:lstStyle/>
+          <a:p>
+            <a:r>
+              <a:rPr lang="en-US" dirty="0">
+                <a:effectLst>
+                  <a:outerShdw blurRad="38100" dist="38100" dir="2700000" algn="tl">
+                    <a:srgbClr val="000000">
+                      <a:alpha val="43137"/>
+                    </a:srgbClr>
+                  </a:outerShdw>
+                </a:effectLst>
+              </a:rPr>
+              <a:t>Resources</a:t>
+            </a:r>
+          </a:p>
+        </p:txBody>
+      </p:sp>
+      <p:sp>
+        <p:nvSpPr>
+          <p:cNvPr id="3" name="Content Placeholder 2"/>
+          <p:cNvSpPr>
+            <a:spLocks noGrp="1"/>
+          </p:cNvSpPr>
+          <p:nvPr>
+            <p:ph idx="1"/>
+          </p:nvPr>
+        </p:nvSpPr>
+        <p:spPr/>
+        <p:txBody>
+          <a:bodyPr>
+            <a:normAutofit/>
+          </a:bodyPr>
+          <a:lstStyle/>
+          <a:p>
+            <a:r>
+              <a:rPr lang="en-US" sz="2000" dirty="0"/>
+              <a:t>Twitter</a:t>
+            </a:r>
+          </a:p>
+          <a:p>
+            <a:pPr lvl="1"/>
+            <a:r>
+              <a:rPr lang="en-US" dirty="0"/>
+              <a:t>Dave Wyatt - </a:t>
+            </a:r>
+            <a:r>
+              <a:rPr lang="en-US" dirty="0">
+                <a:hlinkClick r:id="rId2"/>
+              </a:rPr>
+              <a:t>https://twitter.com/MSH_Dave</a:t>
+            </a:r>
+            <a:endParaRPr lang="en-US" dirty="0"/>
+          </a:p>
+          <a:p>
+            <a:pPr lvl="1"/>
+            <a:r>
+              <a:rPr lang="en-US" dirty="0"/>
+              <a:t>June Blender - </a:t>
+            </a:r>
+            <a:r>
+              <a:rPr lang="en-US" dirty="0">
+                <a:hlinkClick r:id="rId3"/>
+              </a:rPr>
+              <a:t>https://twitter.com/juneb_get_help</a:t>
+            </a:r>
+            <a:endParaRPr lang="en-US" dirty="0"/>
+          </a:p>
+          <a:p>
+            <a:pPr lvl="1"/>
+            <a:r>
+              <a:rPr lang="en-US" dirty="0"/>
+              <a:t>Mike Robbins - </a:t>
+            </a:r>
+            <a:r>
+              <a:rPr lang="en-US" dirty="0">
+                <a:hlinkClick r:id="rId4"/>
+              </a:rPr>
+              <a:t>https://twitter.com/mikefrobbins</a:t>
+            </a:r>
+            <a:endParaRPr lang="en-US" dirty="0"/>
+          </a:p>
+          <a:p>
+            <a:pPr lvl="1"/>
+            <a:r>
+              <a:rPr lang="en-US" dirty="0"/>
+              <a:t>Jakub </a:t>
+            </a:r>
+            <a:r>
+              <a:rPr lang="en-US" dirty="0" err="1"/>
+              <a:t>Jares</a:t>
+            </a:r>
+            <a:r>
+              <a:rPr lang="en-US" dirty="0"/>
+              <a:t> - </a:t>
+            </a:r>
+            <a:r>
+              <a:rPr lang="en-US" dirty="0">
+                <a:hlinkClick r:id="rId5"/>
+              </a:rPr>
+              <a:t>https://twitter.com/nohwnd</a:t>
+            </a:r>
+            <a:endParaRPr lang="en-US" dirty="0"/>
+          </a:p>
+          <a:p>
+            <a:pPr lvl="1"/>
+            <a:r>
+              <a:rPr lang="en-US" dirty="0" err="1"/>
+              <a:t>PSPester</a:t>
+            </a:r>
+            <a:r>
+              <a:rPr lang="en-US" dirty="0"/>
+              <a:t> - </a:t>
+            </a:r>
+            <a:r>
+              <a:rPr lang="en-US" dirty="0">
+                <a:hlinkClick r:id="rId6"/>
+              </a:rPr>
+              <a:t>https://twitter.com/pspester</a:t>
+            </a:r>
+            <a:endParaRPr lang="en-US" dirty="0"/>
+          </a:p>
+          <a:p>
+            <a:r>
+              <a:rPr lang="en-US" dirty="0"/>
+              <a:t>Pester Editor Integration</a:t>
+            </a:r>
+          </a:p>
+          <a:p>
+            <a:pPr lvl="1"/>
+            <a:r>
+              <a:rPr lang="en-US" dirty="0" err="1"/>
+              <a:t>ISESteroids</a:t>
+            </a:r>
+            <a:r>
+              <a:rPr lang="en-US" dirty="0"/>
+              <a:t> Pester Walkthrough - </a:t>
+            </a:r>
+            <a:r>
+              <a:rPr lang="en-US" dirty="0">
+                <a:hlinkClick r:id="rId7"/>
+              </a:rPr>
+              <a:t>http://www.powertheshell.com/pester-integration/</a:t>
+            </a:r>
+            <a:endParaRPr lang="en-US" dirty="0"/>
+          </a:p>
+          <a:p>
+            <a:pPr lvl="1"/>
+            <a:r>
+              <a:rPr lang="en-US" dirty="0"/>
+              <a:t>VS Code Task Runner Docs - </a:t>
+            </a:r>
+            <a:r>
+              <a:rPr lang="en-US" dirty="0">
+                <a:hlinkClick r:id="rId8"/>
+              </a:rPr>
+              <a:t>https://code.visualstudio.com/Docs/editor/tasks</a:t>
+            </a:r>
+            <a:endParaRPr lang="en-US" dirty="0"/>
+          </a:p>
+          <a:p>
+            <a:r>
+              <a:rPr lang="en-US" dirty="0"/>
+              <a:t>Source Control</a:t>
+            </a:r>
+          </a:p>
+          <a:p>
+            <a:pPr lvl="1"/>
+            <a:r>
+              <a:rPr lang="en-US" dirty="0"/>
+              <a:t>Steven </a:t>
+            </a:r>
+            <a:r>
+              <a:rPr lang="en-US" dirty="0" err="1"/>
+              <a:t>Murawski</a:t>
+            </a:r>
+            <a:r>
+              <a:rPr lang="en-US" dirty="0"/>
+              <a:t> - Future-proofing Your Career or Reading Tea Leaves? - </a:t>
+            </a:r>
+            <a:r>
+              <a:rPr lang="en-US" dirty="0">
+                <a:hlinkClick r:id="rId9"/>
+              </a:rPr>
+              <a:t>http://stevenmurawski.com/powershell/2014/08/future-proofing-your-career-or-reading-tea-leaves/</a:t>
+            </a:r>
+            <a:endParaRPr lang="en-US" dirty="0"/>
+          </a:p>
+        </p:txBody>
+      </p:sp>
+    </p:spTree>
+    <p:extLst>
+      <p:ext uri="{BB962C8B-B14F-4D97-AF65-F5344CB8AC3E}">
+        <p14:creationId xmlns:p14="http://schemas.microsoft.com/office/powerpoint/2010/main" val="2507035189"/>
+      </p:ext>
+    </p:extLst>
+  </p:cSld>
+  <p:clrMapOvr>
+    <a:masterClrMapping/>
+  </p:clrMapOvr>
+</p:sld>
+</file>
+
+<file path=ppt/slides/slide32.xml><?xml version="1.0" encoding="utf-8"?>
+<p:sld xmlns:a="http://schemas.openxmlformats.org/drawingml/2006/main" xmlns:r="http://schemas.openxmlformats.org/officeDocument/2006/relationships" xmlns:p="http://schemas.openxmlformats.org/presentationml/2006/main">
+  <p:cSld>
+    <p:spTree>
+      <p:nvGrpSpPr>
+        <p:cNvPr id="1" name=""/>
+        <p:cNvGrpSpPr/>
+        <p:nvPr/>
+      </p:nvGrpSpPr>
+      <p:grpSpPr>
+        <a:xfrm>
+          <a:off x="0" y="0"/>
+          <a:ext cx="0" cy="0"/>
+          <a:chOff x="0" y="0"/>
+          <a:chExt cx="0" cy="0"/>
+        </a:xfrm>
+      </p:grpSpPr>
+      <p:sp>
+        <p:nvSpPr>
+          <p:cNvPr id="2" name="Title 1"/>
+          <p:cNvSpPr>
+            <a:spLocks noGrp="1"/>
+          </p:cNvSpPr>
+          <p:nvPr>
+            <p:ph type="title"/>
+          </p:nvPr>
+        </p:nvSpPr>
+        <p:spPr/>
+        <p:txBody>
+          <a:bodyPr/>
+          <a:lstStyle/>
+          <a:p>
+            <a:r>
+              <a:rPr lang="en-US" dirty="0">
+                <a:effectLst>
+                  <a:outerShdw blurRad="38100" dist="38100" dir="2700000" algn="tl">
+                    <a:srgbClr val="000000">
+                      <a:alpha val="43137"/>
+                    </a:srgbClr>
+                  </a:outerShdw>
+                </a:effectLst>
+              </a:rPr>
+              <a:t>Resources</a:t>
+            </a:r>
+          </a:p>
+        </p:txBody>
+      </p:sp>
+      <p:sp>
+        <p:nvSpPr>
+          <p:cNvPr id="3" name="Content Placeholder 2"/>
+          <p:cNvSpPr>
+            <a:spLocks noGrp="1"/>
+          </p:cNvSpPr>
+          <p:nvPr>
+            <p:ph idx="1"/>
+          </p:nvPr>
+        </p:nvSpPr>
+        <p:spPr/>
+        <p:txBody>
+          <a:bodyPr>
+            <a:normAutofit fontScale="92500" lnSpcReduction="20000"/>
+          </a:bodyPr>
+          <a:lstStyle/>
+          <a:p>
+            <a:r>
+              <a:rPr lang="en-US" sz="2000" dirty="0"/>
+              <a:t>Operational Validation</a:t>
+            </a:r>
+          </a:p>
+          <a:p>
+            <a:pPr lvl="1"/>
+            <a:r>
+              <a:rPr lang="en-US" dirty="0"/>
+              <a:t>Operational Validation – Active Directory, Must Read - </a:t>
+            </a:r>
+            <a:r>
+              <a:rPr lang="en-US" dirty="0">
+                <a:hlinkClick r:id="rId2"/>
+              </a:rPr>
+              <a:t>https://pshirwin.wordpress.com/2016/04/08/active-directory-operations-test/</a:t>
+            </a:r>
+            <a:endParaRPr lang="en-US" dirty="0"/>
+          </a:p>
+          <a:p>
+            <a:pPr lvl="1"/>
+            <a:r>
+              <a:rPr lang="en-US" dirty="0"/>
+              <a:t>Operational Validation – NIC Settings - </a:t>
+            </a:r>
+            <a:r>
+              <a:rPr lang="en-US" dirty="0">
+                <a:hlinkClick r:id="rId3"/>
+              </a:rPr>
+              <a:t>https://gabrielrojas.nyc/2015/12/28/using-pester-to-test-nic-settings/</a:t>
+            </a:r>
+            <a:endParaRPr lang="en-US" dirty="0"/>
+          </a:p>
+          <a:p>
+            <a:pPr lvl="1"/>
+            <a:r>
+              <a:rPr lang="en-US" dirty="0"/>
+              <a:t>Operational Validation – System - </a:t>
+            </a:r>
+            <a:r>
+              <a:rPr lang="en-US" dirty="0">
+                <a:hlinkClick r:id="rId4"/>
+              </a:rPr>
+              <a:t>http://mikefrobbins.com/2015/11/12/powershell-using-pester-tests-and-the-operation-validation-framework-to-verify-a-system-is-operational/</a:t>
+            </a:r>
+            <a:endParaRPr lang="en-US" dirty="0"/>
+          </a:p>
+          <a:p>
+            <a:pPr lvl="1"/>
+            <a:r>
+              <a:rPr lang="en-US" dirty="0"/>
+              <a:t>Operational Validation with Slack - </a:t>
+            </a:r>
+            <a:r>
+              <a:rPr lang="en-US" dirty="0">
+                <a:hlinkClick r:id="rId5"/>
+              </a:rPr>
+              <a:t>https://flynnbundy.com/2016/04/24/operations-validation-framework-and-slack/</a:t>
+            </a:r>
+            <a:endParaRPr lang="en-US" dirty="0"/>
+          </a:p>
+          <a:p>
+            <a:pPr lvl="1"/>
+            <a:r>
+              <a:rPr lang="en-US" dirty="0"/>
+              <a:t>Operational Validation </a:t>
+            </a:r>
+            <a:r>
+              <a:rPr lang="en-US" dirty="0" err="1"/>
+              <a:t>Gotchas</a:t>
+            </a:r>
+            <a:r>
+              <a:rPr lang="en-US" dirty="0"/>
+              <a:t> - </a:t>
+            </a:r>
+            <a:r>
+              <a:rPr lang="en-US" dirty="0">
+                <a:hlinkClick r:id="rId6"/>
+              </a:rPr>
+              <a:t>https://pshirwin.wordpress.com/2016/04/29/operational-readiness-validation-gotchas/</a:t>
+            </a:r>
+            <a:endParaRPr lang="en-US" dirty="0"/>
+          </a:p>
+          <a:p>
+            <a:r>
+              <a:rPr lang="en-US" sz="2000" dirty="0"/>
+              <a:t>Videos</a:t>
+            </a:r>
+          </a:p>
+          <a:p>
+            <a:pPr lvl="1"/>
+            <a:r>
+              <a:rPr lang="en-US" dirty="0"/>
+              <a:t>June Blender – TDD with Pester - </a:t>
+            </a:r>
+            <a:r>
+              <a:rPr lang="en-US" dirty="0" err="1"/>
+              <a:t>PSHSummit</a:t>
+            </a:r>
+            <a:r>
+              <a:rPr lang="en-US" dirty="0"/>
+              <a:t> - </a:t>
+            </a:r>
+            <a:r>
+              <a:rPr lang="en-US" dirty="0">
+                <a:hlinkClick r:id="rId7"/>
+              </a:rPr>
+              <a:t>https://www.youtube.com/watch?time_continue=1&amp;v=jvvh9cpD_LM</a:t>
+            </a:r>
+            <a:endParaRPr lang="en-US" dirty="0"/>
+          </a:p>
+          <a:p>
+            <a:pPr lvl="1"/>
+            <a:r>
+              <a:rPr lang="en-US" dirty="0"/>
+              <a:t>VS Code Pester Task Runner - </a:t>
+            </a:r>
+            <a:r>
+              <a:rPr lang="en-US" dirty="0">
+                <a:hlinkClick r:id="rId8"/>
+              </a:rPr>
+              <a:t>https://channel9.msdn.com/Blogs/cloud-with-a-silver-lining/Visual-Studio-Code-Task-Runners</a:t>
+            </a:r>
+            <a:endParaRPr lang="en-US" dirty="0"/>
+          </a:p>
+          <a:p>
+            <a:pPr lvl="1"/>
+            <a:r>
+              <a:rPr lang="en-US" dirty="0"/>
+              <a:t>Release Pipeline - </a:t>
+            </a:r>
+            <a:r>
+              <a:rPr lang="en-US" dirty="0">
+                <a:hlinkClick r:id="rId9"/>
+              </a:rPr>
+              <a:t>https://www.youtube.com/watch?v=bRd0XiMIRMs</a:t>
+            </a:r>
+            <a:endParaRPr lang="en-US" dirty="0"/>
+          </a:p>
+        </p:txBody>
+      </p:sp>
+    </p:spTree>
+    <p:extLst>
+      <p:ext uri="{BB962C8B-B14F-4D97-AF65-F5344CB8AC3E}">
+        <p14:creationId xmlns:p14="http://schemas.microsoft.com/office/powerpoint/2010/main" val="3045182652"/>
+      </p:ext>
+    </p:extLst>
+  </p:cSld>
+  <p:clrMapOvr>
+    <a:masterClrMapping/>
+  </p:clrMapOvr>
+</p:sld>
+</file>
+
+<file path=ppt/slides/slide33.xml><?xml version="1.0" encoding="utf-8"?>
+<p:sld xmlns:a="http://schemas.openxmlformats.org/drawingml/2006/main" xmlns:r="http://schemas.openxmlformats.org/officeDocument/2006/relationships" xmlns:p="http://schemas.openxmlformats.org/presentationml/2006/main">
+  <p:cSld>
+    <p:spTree>
+      <p:nvGrpSpPr>
+        <p:cNvPr id="1" name=""/>
+        <p:cNvGrpSpPr/>
+        <p:nvPr/>
+      </p:nvGrpSpPr>
+      <p:grpSpPr>
+        <a:xfrm>
+          <a:off x="0" y="0"/>
+          <a:ext cx="0" cy="0"/>
+          <a:chOff x="0" y="0"/>
+          <a:chExt cx="0" cy="0"/>
+        </a:xfrm>
+      </p:grpSpPr>
+      <p:sp>
+        <p:nvSpPr>
+          <p:cNvPr id="2" name="Title 1"/>
+          <p:cNvSpPr>
+            <a:spLocks noGrp="1"/>
+          </p:cNvSpPr>
+          <p:nvPr>
+            <p:ph type="title"/>
+          </p:nvPr>
+        </p:nvSpPr>
+        <p:spPr/>
+        <p:txBody>
+          <a:bodyPr/>
+          <a:lstStyle/>
+          <a:p>
+            <a:r>
+              <a:rPr lang="en-US" dirty="0">
+                <a:effectLst>
+                  <a:outerShdw blurRad="38100" dist="38100" dir="2700000" algn="tl">
+                    <a:srgbClr val="000000">
+                      <a:alpha val="43137"/>
+                    </a:srgbClr>
+                  </a:outerShdw>
+                </a:effectLst>
+              </a:rPr>
+              <a:t>Resources</a:t>
+            </a:r>
+          </a:p>
+        </p:txBody>
+      </p:sp>
+      <p:sp>
+        <p:nvSpPr>
+          <p:cNvPr id="3" name="Content Placeholder 2"/>
+          <p:cNvSpPr>
+            <a:spLocks noGrp="1"/>
+          </p:cNvSpPr>
+          <p:nvPr>
+            <p:ph idx="1"/>
+          </p:nvPr>
+        </p:nvSpPr>
+        <p:spPr/>
+        <p:txBody>
+          <a:bodyPr/>
+          <a:lstStyle/>
+          <a:p>
+            <a:r>
+              <a:rPr lang="en-US" dirty="0"/>
+              <a:t>Release Pipeline</a:t>
+            </a:r>
+          </a:p>
+          <a:p>
+            <a:pPr lvl="1"/>
+            <a:r>
+              <a:rPr lang="en-US" dirty="0" err="1"/>
+              <a:t>RunasRadio</a:t>
+            </a:r>
+            <a:r>
+              <a:rPr lang="en-US" dirty="0"/>
+              <a:t> Podcast - The Infrastructure Release Pipeline with Steve </a:t>
+            </a:r>
+            <a:r>
+              <a:rPr lang="en-US" dirty="0" err="1"/>
+              <a:t>Murawski</a:t>
+            </a:r>
+            <a:r>
+              <a:rPr lang="en-US" dirty="0"/>
+              <a:t> and Michael Greene - </a:t>
+            </a:r>
+            <a:r>
+              <a:rPr lang="en-US" dirty="0">
+                <a:hlinkClick r:id="rId2"/>
+              </a:rPr>
+              <a:t>http://runasradio.com/Shows/Show/469</a:t>
+            </a:r>
+            <a:endParaRPr lang="en-US" dirty="0"/>
+          </a:p>
+          <a:p>
+            <a:pPr lvl="1"/>
+            <a:r>
+              <a:rPr lang="en-US" dirty="0"/>
+              <a:t>Release Pipeline Whitepaper - </a:t>
+            </a:r>
+            <a:r>
+              <a:rPr lang="en-US" dirty="0">
+                <a:hlinkClick r:id="rId3"/>
+              </a:rPr>
+              <a:t>http://aka.ms/thereleasepipelinemodel</a:t>
+            </a:r>
+            <a:endParaRPr lang="en-US" dirty="0"/>
+          </a:p>
+          <a:p>
+            <a:pPr lvl="1"/>
+            <a:endParaRPr lang="en-US" dirty="0"/>
+          </a:p>
+          <a:p>
+            <a:pPr lvl="1"/>
+            <a:endParaRPr lang="en-US" dirty="0"/>
+          </a:p>
+          <a:p>
+            <a:pPr lvl="1"/>
+            <a:endParaRPr lang="en-US" dirty="0"/>
+          </a:p>
+          <a:p>
+            <a:pPr marL="457200" lvl="1" indent="0">
+              <a:buNone/>
+            </a:pPr>
+            <a:endParaRPr lang="en-US" dirty="0"/>
+          </a:p>
+        </p:txBody>
+      </p:sp>
+    </p:spTree>
+    <p:extLst>
+      <p:ext uri="{BB962C8B-B14F-4D97-AF65-F5344CB8AC3E}">
+        <p14:creationId xmlns:p14="http://schemas.microsoft.com/office/powerpoint/2010/main" val="2445622444"/>
+      </p:ext>
+    </p:extLst>
+  </p:cSld>
+  <p:clrMapOvr>
+    <a:masterClrMapping/>
+  </p:clrMapOvr>
+  <p:timing>
+    <p:tnLst>
+      <p:par>
+        <p:cTn id="1" dur="indefinite" restart="never" nodeType="tmRoot"/>
+      </p:par>
+    </p:tnLst>
+  </p:timing>
 </p:sld>
 </file>
 
@@ -9928,8 +10912,19 @@
           <a:p>
             <a:r>
               <a:rPr lang="en-US" dirty="0"/>
-              <a:t>I’m not in DevOps</a:t>
-            </a:r>
+              <a:t>I’m not in </a:t>
+            </a:r>
+            <a:r>
+              <a:rPr lang="en-US" dirty="0" smtClean="0"/>
+              <a:t>DevOps</a:t>
+            </a:r>
+          </a:p>
+          <a:p>
+            <a:r>
+              <a:rPr lang="en-US" dirty="0" smtClean="0"/>
+              <a:t>I already have a Test Environment.</a:t>
+            </a:r>
+            <a:endParaRPr lang="en-US" dirty="0"/>
           </a:p>
           <a:p>
             <a:r>
@@ -10661,7 +11656,7 @@
   <a:extraClrSchemeLst/>
   <a:extLst>
     <a:ext uri="{05A4C25C-085E-4340-85A3-A5531E510DB2}">
-      <thm15:themeFamily xmlns:thm15="http://schemas.microsoft.com/office/thememl/2012/main" xmlns="" name="Quotable" id="{39EC5628-30ED-4578-ACD8-9820EDB8E15A}" vid="{6F3559E9-1A4C-49D8-94D4-F41003531C49}"/>
+      <thm15:themeFamily xmlns="" xmlns:thm15="http://schemas.microsoft.com/office/thememl/2012/main" name="Quotable" id="{39EC5628-30ED-4578-ACD8-9820EDB8E15A}" vid="{6F3559E9-1A4C-49D8-94D4-F41003531C49}"/>
     </a:ext>
   </a:extLst>
 </a:theme>
